--- a/site/week-2/week-2.tr.md_word.pptx
+++ b/site/week-2/week-2.tr.md_word.pptx
@@ -3102,6 +3102,37 @@
       </p:grpSpPr>
       <p:sp>
         <p:nvSpPr>
+          <p:cNvPr id="2" name="Title 1"/>
+          <p:cNvSpPr>
+            <a:spLocks noGrp="1"/>
+          </p:cNvSpPr>
+          <p:nvPr>
+            <p:ph type="ctrTitle"/>
+          </p:nvPr>
+        </p:nvSpPr>
+        <p:spPr>
+          <a:xfrm>
+            <a:off x="685800" y="1597819"/>
+            <a:ext cx="7772400" cy="1102519"/>
+          </a:xfrm>
+        </p:spPr>
+        <p:txBody>
+          <a:bodyPr/>
+          <a:lstStyle/>
+          <a:p>
+            <a:pPr marL="0" lvl="0" indent="0">
+              <a:buNone/>
+            </a:pPr>
+            <a:r>
+              <a:rPr lang="en-GB" dirty="0"/>
+              <a:t>CE103 - Algorithms And Programming I</a:t>
+            </a:r>
+            <a:endParaRPr lang="tr-TR" dirty="0"/>
+          </a:p>
+        </p:txBody>
+      </p:sp>
+      <p:sp>
+        <p:nvSpPr>
           <p:cNvPr id="3" name="Subtitle 2"/>
           <p:cNvSpPr>
             <a:spLocks noGrp="1"/>
@@ -3153,91 +3184,6 @@
               <a:buNone/>
             </a:pPr>
             <a:endParaRPr/>
-          </a:p>
-        </p:txBody>
-      </p:sp>
-      <p:sp>
-        <p:nvSpPr>
-          <p:cNvPr id="8" name="Title 1">
-            <a:extLst>
-              <a:ext uri="{FF2B5EF4-FFF2-40B4-BE49-F238E27FC236}">
-                <a16:creationId xmlns:a16="http://schemas.microsoft.com/office/drawing/2014/main" id="{940B8CA1-3D62-8AB8-A89E-F4FBE71968BF}"/>
-              </a:ext>
-            </a:extLst>
-          </p:cNvPr>
-          <p:cNvSpPr>
-            <a:spLocks noGrp="1"/>
-          </p:cNvSpPr>
-          <p:nvPr>
-            <p:ph type="ctrTitle"/>
-          </p:nvPr>
-        </p:nvSpPr>
-        <p:spPr>
-          <a:xfrm>
-            <a:off x="685800" y="1598613"/>
-            <a:ext cx="7772400" cy="1101725"/>
-          </a:xfrm>
-        </p:spPr>
-        <p:txBody>
-          <a:bodyPr/>
-          <a:lstStyle/>
-          <a:p>
-            <a:pPr marL="0" lvl="0" indent="0">
-              <a:buNone/>
-            </a:pPr>
-            <a:r>
-              <a:rPr lang="en-GB" dirty="0"/>
-              <a:t>CE103 - Algorithms And Programming I</a:t>
-            </a:r>
-            <a:endParaRPr dirty="0"/>
-          </a:p>
-        </p:txBody>
-      </p:sp>
-      <p:sp>
-        <p:nvSpPr>
-          <p:cNvPr id="9" name="Title 1">
-            <a:extLst>
-              <a:ext uri="{FF2B5EF4-FFF2-40B4-BE49-F238E27FC236}">
-                <a16:creationId xmlns:a16="http://schemas.microsoft.com/office/drawing/2014/main" id="{256BF7B5-3191-FBE3-F455-9939524BED6C}"/>
-              </a:ext>
-            </a:extLst>
-          </p:cNvPr>
-          <p:cNvSpPr txBox="1">
-            <a:spLocks/>
-          </p:cNvSpPr>
-          <p:nvPr/>
-        </p:nvSpPr>
-        <p:spPr>
-          <a:xfrm>
-            <a:off x="685800" y="1597819"/>
-            <a:ext cx="7772400" cy="1102519"/>
-          </a:xfrm>
-          <a:prstGeom prst="rect">
-            <a:avLst/>
-          </a:prstGeom>
-        </p:spPr>
-        <p:txBody>
-          <a:bodyPr vert="horz" lIns="91440" tIns="45720" rIns="91440" bIns="45720" rtlCol="0" anchor="ctr">
-            <a:normAutofit/>
-          </a:bodyPr>
-          <a:lstStyle>
-            <a:lvl1pPr algn="ctr" defTabSz="342900" rtl="0" eaLnBrk="1" latinLnBrk="0" hangingPunct="1">
-              <a:spcBef>
-                <a:spcPct val="0"/>
-              </a:spcBef>
-              <a:buNone/>
-              <a:defRPr sz="3300" kern="1200">
-                <a:solidFill>
-                  <a:schemeClr val="tx1"/>
-                </a:solidFill>
-                <a:latin typeface="+mj-lt"/>
-                <a:ea typeface="+mj-ea"/>
-                <a:cs typeface="+mj-cs"/>
-              </a:defRPr>
-            </a:lvl1pPr>
-          </a:lstStyle>
-          <a:p>
-            <a:endParaRPr lang="tr-TR" dirty="0"/>
           </a:p>
         </p:txBody>
       </p:sp>
@@ -3639,73 +3585,54 @@
         </p:nvSpPr>
         <p:spPr>
           <a:xfrm>
-            <a:off x="457200" y="1401318"/>
-            <a:ext cx="8229600" cy="3012186"/>
+            <a:off x="457200" y="205978"/>
+            <a:ext cx="8229600" cy="4731781"/>
           </a:xfrm>
         </p:spPr>
         <p:txBody>
           <a:bodyPr>
-            <a:noAutofit/>
+            <a:normAutofit fontScale="90000"/>
           </a:bodyPr>
           <a:lstStyle/>
           <a:p>
             <a:pPr marL="0" lvl="0" indent="0">
-              <a:spcBef>
-                <a:spcPts val="3000"/>
-              </a:spcBef>
               <a:buNone/>
             </a:pPr>
             <a:r>
-              <a:rPr lang="tr-TR" sz="2400" b="1" dirty="0"/>
+              <a:rPr b="1" dirty="0" err="1"/>
               <a:t>Algoritma</a:t>
             </a:r>
             <a:br>
-              <a:rPr lang="tr-TR" sz="2400" b="1" dirty="0"/>
+              <a:rPr lang="tr-TR" b="1" dirty="0"/>
             </a:br>
             <a:br>
-              <a:rPr lang="tr-TR" sz="2400" b="1" dirty="0"/>
+              <a:rPr lang="tr-TR" b="1" dirty="0"/>
             </a:br>
             <a:r>
-              <a:rPr lang="tr-TR" sz="2400" b="1" dirty="0"/>
+              <a:rPr lang="tr-TR" sz="3600" b="1" dirty="0"/>
               <a:t>Algoritma Nedir?</a:t>
             </a:r>
-            <a:br>
-              <a:rPr lang="tr-TR" sz="2400" b="1" dirty="0"/>
-            </a:br>
-            <a:r>
-              <a:rPr lang="tr-TR" sz="2400" dirty="0"/>
-              <a:t> </a:t>
-            </a:r>
-            <a:br>
-              <a:rPr lang="tr-TR" sz="2400" dirty="0"/>
-            </a:br>
-            <a:r>
-              <a:rPr lang="tr-TR" sz="2400" dirty="0"/>
-              <a:t>Algoritma, Cebrin atası ve kurucusu olarak bilinen Harezmî tarafından 9.yüzyılda cebir alanındaki araştırmaları neticesinde ortaya çıkmıştır. Avrupalılar, Harezmî ismini telaffuz edemediklerinden dolayı </a:t>
-            </a:r>
-            <a:r>
-              <a:rPr lang="tr-TR" sz="2400" dirty="0" err="1"/>
+            <a:r>
+              <a:rPr lang="tr-TR" sz="3600" dirty="0"/>
+              <a:t> Algoritma, Cebrin atası ve kurucusu olarak bilinen Harezmî tarafından 9.yüzyılda cebir alanındaki araştırmaları neticesinde ortaya çıkmıştır. Avrupalılar, Harezmî ismini telaffuz edemediklerinden dolayı </a:t>
+            </a:r>
+            <a:r>
+              <a:rPr lang="tr-TR" sz="3600" dirty="0" err="1"/>
               <a:t>algorizm</a:t>
             </a:r>
             <a:r>
-              <a:rPr lang="tr-TR" sz="2400" dirty="0"/>
+              <a:rPr lang="tr-TR" sz="3600" dirty="0"/>
               <a:t> (Arap sayıları kullanarak aritmetik problemler çözme kuralları) olarak kullandılar. </a:t>
             </a:r>
             <a:r>
-              <a:rPr lang="tr-TR" sz="2400" dirty="0" err="1"/>
+              <a:rPr lang="tr-TR" sz="3600" dirty="0" err="1"/>
               <a:t>Algorizm</a:t>
             </a:r>
             <a:r>
-              <a:rPr lang="tr-TR" sz="2400" dirty="0"/>
-              <a:t> daha sonra “algoritma” adını aldı. </a:t>
-            </a:r>
-            <a:br>
-              <a:rPr lang="tr-TR" sz="2400" dirty="0"/>
-            </a:br>
-            <a:br>
-              <a:rPr lang="tr-TR" sz="2400" dirty="0"/>
-            </a:br>
-            <a:endParaRPr lang="tr-TR" sz="2400" b="1" dirty="0"/>
+              <a:rPr lang="tr-TR" sz="3600" dirty="0"/>
+              <a:t> daha sonra “algoritma” adını aldı</a:t>
+            </a:r>
+            <a:endParaRPr b="1" dirty="0"/>
           </a:p>
         </p:txBody>
       </p:sp>
@@ -3746,8 +3673,8 @@
         </p:nvSpPr>
         <p:spPr>
           <a:xfrm>
-            <a:off x="560387" y="187452"/>
-            <a:ext cx="3008313" cy="3393948"/>
+            <a:off x="347473" y="390843"/>
+            <a:ext cx="3008313" cy="4361814"/>
           </a:xfrm>
         </p:spPr>
         <p:txBody>
@@ -3755,15 +3682,6 @@
             <a:noAutofit/>
           </a:bodyPr>
           <a:lstStyle/>
-          <a:p>
-            <a:pPr marL="0" lvl="0" indent="0">
-              <a:spcBef>
-                <a:spcPts val="3000"/>
-              </a:spcBef>
-              <a:buNone/>
-            </a:pPr>
-            <a:endParaRPr lang="tr-TR" sz="1200" b="1" dirty="0"/>
-          </a:p>
           <a:p>
             <a:pPr marL="0" lvl="0" indent="0">
               <a:spcBef>
@@ -4507,9 +4425,7 @@
             <a:pPr marL="0" lvl="0" indent="0" algn="ctr">
               <a:buNone/>
             </a:pPr>
-            <a:r>
-              <a:t>bg right:50% h:300px</a:t>
-            </a:r>
+            <a:endParaRPr dirty="0"/>
           </a:p>
         </p:txBody>
       </p:sp>
@@ -4607,21 +4523,20 @@
             <p:ph type="title"/>
           </p:nvPr>
         </p:nvSpPr>
-        <p:spPr/>
-        <p:txBody>
-          <a:bodyPr>
-            <a:normAutofit/>
-          </a:bodyPr>
+        <p:spPr>
+          <a:xfrm>
+            <a:off x="457200" y="204694"/>
+            <a:ext cx="8229600" cy="857250"/>
+          </a:xfrm>
+        </p:spPr>
+        <p:txBody>
+          <a:bodyPr/>
           <a:lstStyle/>
           <a:p>
             <a:pPr marL="0" lvl="0" indent="0">
               <a:buNone/>
             </a:pPr>
             <a:r>
-              <a:rPr dirty="0"/>
-              <a:t> </a:t>
-            </a:r>
-            <a:r>
               <a:rPr dirty="0" err="1"/>
               <a:t>Diziler</a:t>
             </a:r>
@@ -4639,7 +4554,12 @@
             <p:ph idx="1"/>
           </p:nvPr>
         </p:nvSpPr>
-        <p:spPr/>
+        <p:spPr>
+          <a:xfrm>
+            <a:off x="457200" y="1061944"/>
+            <a:ext cx="8229600" cy="3394472"/>
+          </a:xfrm>
+        </p:spPr>
         <p:txBody>
           <a:bodyPr>
             <a:normAutofit fontScale="92500" lnSpcReduction="10000"/>
@@ -4650,7 +4570,612 @@
               <a:buNone/>
             </a:pPr>
             <a:r>
-              <a:t>Diziler, anlam ifade etmesi için birden fazla nesneye ihtiyaç duyabilir. Mesela, Şu an karşısında olduğunuz bilgisayar örneğini inceleyelim. Masaüstü bilgisayarlar, klavye-mouse-monitör üçlüsünü bir araya getirince anlam ifade eder. Herhangi biri olmadan bir işlem yapmanız olasıdır ama zorludur. Dizi, dezavantajlarından biri olan hafıza problemini inceleyelim. Bilgisayar örneğimizden devam edelim. Hali hazırda bir klavye, bir mouse ve bir monitörümüz var. Yeni bir monitör aldığımızda daha büyük bir masaya ihtiyacımız var. Aynı şekilde yeni bir klavye veya mouse aldığımızda da aynı durum geçerli. Bir yerden bir yere taşırken zaman ve güç kaybına uğruyoruz.</a:t>
+              <a:rPr dirty="0" err="1"/>
+              <a:t>Diziler</a:t>
+            </a:r>
+            <a:r>
+              <a:rPr dirty="0"/>
+              <a:t>, </a:t>
+            </a:r>
+            <a:r>
+              <a:rPr dirty="0" err="1"/>
+              <a:t>anlam</a:t>
+            </a:r>
+            <a:r>
+              <a:rPr dirty="0"/>
+              <a:t> </a:t>
+            </a:r>
+            <a:r>
+              <a:rPr dirty="0" err="1"/>
+              <a:t>ifade</a:t>
+            </a:r>
+            <a:r>
+              <a:rPr dirty="0"/>
+              <a:t> </a:t>
+            </a:r>
+            <a:r>
+              <a:rPr dirty="0" err="1"/>
+              <a:t>etmesi</a:t>
+            </a:r>
+            <a:r>
+              <a:rPr dirty="0"/>
+              <a:t> </a:t>
+            </a:r>
+            <a:r>
+              <a:rPr dirty="0" err="1"/>
+              <a:t>için</a:t>
+            </a:r>
+            <a:r>
+              <a:rPr dirty="0"/>
+              <a:t> </a:t>
+            </a:r>
+            <a:r>
+              <a:rPr dirty="0" err="1"/>
+              <a:t>birden</a:t>
+            </a:r>
+            <a:r>
+              <a:rPr dirty="0"/>
+              <a:t> </a:t>
+            </a:r>
+            <a:r>
+              <a:rPr dirty="0" err="1"/>
+              <a:t>fazla</a:t>
+            </a:r>
+            <a:r>
+              <a:rPr dirty="0"/>
+              <a:t> </a:t>
+            </a:r>
+            <a:r>
+              <a:rPr dirty="0" err="1"/>
+              <a:t>nesneye</a:t>
+            </a:r>
+            <a:r>
+              <a:rPr dirty="0"/>
+              <a:t> </a:t>
+            </a:r>
+            <a:r>
+              <a:rPr dirty="0" err="1"/>
+              <a:t>ihtiyaç</a:t>
+            </a:r>
+            <a:r>
+              <a:rPr dirty="0"/>
+              <a:t> </a:t>
+            </a:r>
+            <a:r>
+              <a:rPr dirty="0" err="1"/>
+              <a:t>duyabilir</a:t>
+            </a:r>
+            <a:r>
+              <a:rPr dirty="0"/>
+              <a:t>. </a:t>
+            </a:r>
+            <a:r>
+              <a:rPr dirty="0" err="1"/>
+              <a:t>Mesela</a:t>
+            </a:r>
+            <a:r>
+              <a:rPr dirty="0"/>
+              <a:t>, </a:t>
+            </a:r>
+            <a:r>
+              <a:rPr dirty="0" err="1"/>
+              <a:t>Şu</a:t>
+            </a:r>
+            <a:r>
+              <a:rPr dirty="0"/>
+              <a:t> an </a:t>
+            </a:r>
+            <a:r>
+              <a:rPr dirty="0" err="1"/>
+              <a:t>karşısında</a:t>
+            </a:r>
+            <a:r>
+              <a:rPr dirty="0"/>
+              <a:t> </a:t>
+            </a:r>
+            <a:r>
+              <a:rPr dirty="0" err="1"/>
+              <a:t>olduğunuz</a:t>
+            </a:r>
+            <a:r>
+              <a:rPr dirty="0"/>
+              <a:t> </a:t>
+            </a:r>
+            <a:r>
+              <a:rPr dirty="0" err="1"/>
+              <a:t>bilgisayar</a:t>
+            </a:r>
+            <a:r>
+              <a:rPr dirty="0"/>
+              <a:t> </a:t>
+            </a:r>
+            <a:r>
+              <a:rPr dirty="0" err="1"/>
+              <a:t>örneğini</a:t>
+            </a:r>
+            <a:r>
+              <a:rPr dirty="0"/>
+              <a:t> </a:t>
+            </a:r>
+            <a:r>
+              <a:rPr dirty="0" err="1"/>
+              <a:t>inceleyelim</a:t>
+            </a:r>
+            <a:r>
+              <a:rPr dirty="0"/>
+              <a:t>. </a:t>
+            </a:r>
+            <a:r>
+              <a:rPr dirty="0" err="1"/>
+              <a:t>Masaüstü</a:t>
+            </a:r>
+            <a:r>
+              <a:rPr dirty="0"/>
+              <a:t> </a:t>
+            </a:r>
+            <a:r>
+              <a:rPr dirty="0" err="1"/>
+              <a:t>bilgisayarlar</a:t>
+            </a:r>
+            <a:r>
+              <a:rPr dirty="0"/>
+              <a:t>, </a:t>
+            </a:r>
+            <a:r>
+              <a:rPr dirty="0" err="1"/>
+              <a:t>klavye</a:t>
+            </a:r>
+            <a:r>
+              <a:rPr dirty="0"/>
+              <a:t>-mouse-</a:t>
+            </a:r>
+            <a:r>
+              <a:rPr dirty="0" err="1"/>
+              <a:t>monitör</a:t>
+            </a:r>
+            <a:r>
+              <a:rPr dirty="0"/>
+              <a:t> </a:t>
+            </a:r>
+            <a:r>
+              <a:rPr dirty="0" err="1"/>
+              <a:t>üçlüsünü</a:t>
+            </a:r>
+            <a:r>
+              <a:rPr dirty="0"/>
+              <a:t> </a:t>
+            </a:r>
+            <a:r>
+              <a:rPr dirty="0" err="1"/>
+              <a:t>bir</a:t>
+            </a:r>
+            <a:r>
+              <a:rPr dirty="0"/>
+              <a:t> </a:t>
+            </a:r>
+            <a:r>
+              <a:rPr dirty="0" err="1"/>
+              <a:t>araya</a:t>
+            </a:r>
+            <a:r>
+              <a:rPr dirty="0"/>
+              <a:t> </a:t>
+            </a:r>
+            <a:r>
+              <a:rPr dirty="0" err="1"/>
+              <a:t>getirince</a:t>
+            </a:r>
+            <a:r>
+              <a:rPr dirty="0"/>
+              <a:t> </a:t>
+            </a:r>
+            <a:r>
+              <a:rPr dirty="0" err="1"/>
+              <a:t>anlam</a:t>
+            </a:r>
+            <a:r>
+              <a:rPr dirty="0"/>
+              <a:t> </a:t>
+            </a:r>
+            <a:r>
+              <a:rPr dirty="0" err="1"/>
+              <a:t>ifade</a:t>
+            </a:r>
+            <a:r>
+              <a:rPr dirty="0"/>
+              <a:t> </a:t>
+            </a:r>
+            <a:r>
+              <a:rPr dirty="0" err="1"/>
+              <a:t>eder</a:t>
+            </a:r>
+            <a:r>
+              <a:rPr dirty="0"/>
+              <a:t>. </a:t>
+            </a:r>
+            <a:r>
+              <a:rPr dirty="0" err="1"/>
+              <a:t>Herhangi</a:t>
+            </a:r>
+            <a:r>
+              <a:rPr dirty="0"/>
+              <a:t> </a:t>
+            </a:r>
+            <a:r>
+              <a:rPr dirty="0" err="1"/>
+              <a:t>biri</a:t>
+            </a:r>
+            <a:r>
+              <a:rPr dirty="0"/>
+              <a:t> </a:t>
+            </a:r>
+            <a:r>
+              <a:rPr dirty="0" err="1"/>
+              <a:t>olmadan</a:t>
+            </a:r>
+            <a:r>
+              <a:rPr dirty="0"/>
+              <a:t> </a:t>
+            </a:r>
+            <a:r>
+              <a:rPr dirty="0" err="1"/>
+              <a:t>bir</a:t>
+            </a:r>
+            <a:r>
+              <a:rPr dirty="0"/>
+              <a:t> </a:t>
+            </a:r>
+            <a:r>
+              <a:rPr dirty="0" err="1"/>
+              <a:t>işlem</a:t>
+            </a:r>
+            <a:r>
+              <a:rPr dirty="0"/>
+              <a:t> </a:t>
+            </a:r>
+            <a:r>
+              <a:rPr dirty="0" err="1"/>
+              <a:t>yapmanız</a:t>
+            </a:r>
+            <a:r>
+              <a:rPr dirty="0"/>
+              <a:t> </a:t>
+            </a:r>
+            <a:r>
+              <a:rPr dirty="0" err="1"/>
+              <a:t>olasıdır</a:t>
+            </a:r>
+            <a:r>
+              <a:rPr dirty="0"/>
+              <a:t> ama </a:t>
+            </a:r>
+            <a:r>
+              <a:rPr dirty="0" err="1"/>
+              <a:t>zorludur</a:t>
+            </a:r>
+            <a:r>
+              <a:rPr dirty="0"/>
+              <a:t>. Dizi, </a:t>
+            </a:r>
+            <a:r>
+              <a:rPr dirty="0" err="1"/>
+              <a:t>dezavantajlarından</a:t>
+            </a:r>
+            <a:r>
+              <a:rPr dirty="0"/>
+              <a:t> </a:t>
+            </a:r>
+            <a:r>
+              <a:rPr dirty="0" err="1"/>
+              <a:t>biri</a:t>
+            </a:r>
+            <a:r>
+              <a:rPr dirty="0"/>
+              <a:t> </a:t>
+            </a:r>
+            <a:r>
+              <a:rPr dirty="0" err="1"/>
+              <a:t>olan</a:t>
+            </a:r>
+            <a:r>
+              <a:rPr dirty="0"/>
+              <a:t> </a:t>
+            </a:r>
+            <a:r>
+              <a:rPr dirty="0" err="1"/>
+              <a:t>hafıza</a:t>
+            </a:r>
+            <a:r>
+              <a:rPr dirty="0"/>
+              <a:t> </a:t>
+            </a:r>
+            <a:r>
+              <a:rPr dirty="0" err="1"/>
+              <a:t>problemini</a:t>
+            </a:r>
+            <a:r>
+              <a:rPr dirty="0"/>
+              <a:t> </a:t>
+            </a:r>
+            <a:r>
+              <a:rPr dirty="0" err="1"/>
+              <a:t>inceleyelim</a:t>
+            </a:r>
+            <a:r>
+              <a:rPr dirty="0"/>
+              <a:t>. </a:t>
+            </a:r>
+            <a:r>
+              <a:rPr dirty="0" err="1"/>
+              <a:t>Bilgisayar</a:t>
+            </a:r>
+            <a:r>
+              <a:rPr dirty="0"/>
+              <a:t> </a:t>
+            </a:r>
+            <a:r>
+              <a:rPr dirty="0" err="1"/>
+              <a:t>örneğimizden</a:t>
+            </a:r>
+            <a:r>
+              <a:rPr dirty="0"/>
+              <a:t> </a:t>
+            </a:r>
+            <a:r>
+              <a:rPr dirty="0" err="1"/>
+              <a:t>devam</a:t>
+            </a:r>
+            <a:r>
+              <a:rPr dirty="0"/>
+              <a:t> </a:t>
+            </a:r>
+            <a:r>
+              <a:rPr dirty="0" err="1"/>
+              <a:t>edelim</a:t>
+            </a:r>
+            <a:r>
+              <a:rPr dirty="0"/>
+              <a:t>. Hali </a:t>
+            </a:r>
+            <a:r>
+              <a:rPr dirty="0" err="1"/>
+              <a:t>hazırda</a:t>
+            </a:r>
+            <a:r>
+              <a:rPr dirty="0"/>
+              <a:t> </a:t>
+            </a:r>
+            <a:r>
+              <a:rPr dirty="0" err="1"/>
+              <a:t>bir</a:t>
+            </a:r>
+            <a:r>
+              <a:rPr dirty="0"/>
+              <a:t> </a:t>
+            </a:r>
+            <a:r>
+              <a:rPr dirty="0" err="1"/>
+              <a:t>klavye</a:t>
+            </a:r>
+            <a:r>
+              <a:rPr dirty="0"/>
+              <a:t>, </a:t>
+            </a:r>
+            <a:r>
+              <a:rPr dirty="0" err="1"/>
+              <a:t>bir</a:t>
+            </a:r>
+            <a:r>
+              <a:rPr dirty="0"/>
+              <a:t> mouse </a:t>
+            </a:r>
+            <a:r>
+              <a:rPr dirty="0" err="1"/>
+              <a:t>ve</a:t>
+            </a:r>
+            <a:r>
+              <a:rPr dirty="0"/>
+              <a:t> </a:t>
+            </a:r>
+            <a:r>
+              <a:rPr dirty="0" err="1"/>
+              <a:t>bir</a:t>
+            </a:r>
+            <a:r>
+              <a:rPr dirty="0"/>
+              <a:t> </a:t>
+            </a:r>
+            <a:r>
+              <a:rPr dirty="0" err="1"/>
+              <a:t>monitörümüz</a:t>
+            </a:r>
+            <a:r>
+              <a:rPr dirty="0"/>
+              <a:t> var. Yeni </a:t>
+            </a:r>
+            <a:r>
+              <a:rPr dirty="0" err="1"/>
+              <a:t>bir</a:t>
+            </a:r>
+            <a:r>
+              <a:rPr dirty="0"/>
+              <a:t> </a:t>
+            </a:r>
+            <a:r>
+              <a:rPr dirty="0" err="1"/>
+              <a:t>monitör</a:t>
+            </a:r>
+            <a:r>
+              <a:rPr dirty="0"/>
+              <a:t> </a:t>
+            </a:r>
+            <a:r>
+              <a:rPr dirty="0" err="1"/>
+              <a:t>aldığımızda</a:t>
+            </a:r>
+            <a:r>
+              <a:rPr dirty="0"/>
+              <a:t> </a:t>
+            </a:r>
+            <a:r>
+              <a:rPr dirty="0" err="1"/>
+              <a:t>daha</a:t>
+            </a:r>
+            <a:r>
+              <a:rPr dirty="0"/>
+              <a:t> </a:t>
+            </a:r>
+            <a:r>
+              <a:rPr dirty="0" err="1"/>
+              <a:t>büyük</a:t>
+            </a:r>
+            <a:r>
+              <a:rPr dirty="0"/>
+              <a:t> </a:t>
+            </a:r>
+            <a:r>
+              <a:rPr dirty="0" err="1"/>
+              <a:t>bir</a:t>
+            </a:r>
+            <a:r>
+              <a:rPr dirty="0"/>
+              <a:t> </a:t>
+            </a:r>
+            <a:r>
+              <a:rPr dirty="0" err="1"/>
+              <a:t>masaya</a:t>
+            </a:r>
+            <a:r>
+              <a:rPr dirty="0"/>
+              <a:t> </a:t>
+            </a:r>
+            <a:r>
+              <a:rPr dirty="0" err="1"/>
+              <a:t>ihtiyacımız</a:t>
+            </a:r>
+            <a:r>
+              <a:rPr dirty="0"/>
+              <a:t> var. </a:t>
+            </a:r>
+            <a:r>
+              <a:rPr dirty="0" err="1"/>
+              <a:t>Aynı</a:t>
+            </a:r>
+            <a:r>
+              <a:rPr dirty="0"/>
+              <a:t> </a:t>
+            </a:r>
+            <a:r>
+              <a:rPr dirty="0" err="1"/>
+              <a:t>şekilde</a:t>
+            </a:r>
+            <a:r>
+              <a:rPr dirty="0"/>
+              <a:t> yeni </a:t>
+            </a:r>
+            <a:r>
+              <a:rPr dirty="0" err="1"/>
+              <a:t>bir</a:t>
+            </a:r>
+            <a:r>
+              <a:rPr dirty="0"/>
+              <a:t> </a:t>
+            </a:r>
+            <a:r>
+              <a:rPr dirty="0" err="1"/>
+              <a:t>klavye</a:t>
+            </a:r>
+            <a:r>
+              <a:rPr dirty="0"/>
+              <a:t> </a:t>
+            </a:r>
+            <a:r>
+              <a:rPr dirty="0" err="1"/>
+              <a:t>veya</a:t>
+            </a:r>
+            <a:r>
+              <a:rPr dirty="0"/>
+              <a:t> mouse </a:t>
+            </a:r>
+            <a:r>
+              <a:rPr dirty="0" err="1"/>
+              <a:t>aldığımızda</a:t>
+            </a:r>
+            <a:r>
+              <a:rPr dirty="0"/>
+              <a:t> da </a:t>
+            </a:r>
+            <a:r>
+              <a:rPr dirty="0" err="1"/>
+              <a:t>aynı</a:t>
+            </a:r>
+            <a:r>
+              <a:rPr dirty="0"/>
+              <a:t> durum </a:t>
+            </a:r>
+            <a:r>
+              <a:rPr dirty="0" err="1"/>
+              <a:t>geçerli</a:t>
+            </a:r>
+            <a:r>
+              <a:rPr dirty="0"/>
+              <a:t>. Bir </a:t>
+            </a:r>
+            <a:r>
+              <a:rPr dirty="0" err="1"/>
+              <a:t>yerden</a:t>
+            </a:r>
+            <a:r>
+              <a:rPr dirty="0"/>
+              <a:t> </a:t>
+            </a:r>
+            <a:r>
+              <a:rPr dirty="0" err="1"/>
+              <a:t>bir</a:t>
+            </a:r>
+            <a:r>
+              <a:rPr dirty="0"/>
+              <a:t> yere </a:t>
+            </a:r>
+            <a:r>
+              <a:rPr dirty="0" err="1"/>
+              <a:t>taşırken</a:t>
+            </a:r>
+            <a:r>
+              <a:rPr dirty="0"/>
+              <a:t> zaman </a:t>
+            </a:r>
+            <a:r>
+              <a:rPr dirty="0" err="1"/>
+              <a:t>ve</a:t>
+            </a:r>
+            <a:r>
+              <a:rPr dirty="0"/>
+              <a:t> </a:t>
+            </a:r>
+            <a:r>
+              <a:rPr dirty="0" err="1"/>
+              <a:t>güç</a:t>
+            </a:r>
+            <a:r>
+              <a:rPr dirty="0"/>
+              <a:t> </a:t>
+            </a:r>
+            <a:r>
+              <a:rPr dirty="0" err="1"/>
+              <a:t>kaybına</a:t>
+            </a:r>
+            <a:r>
+              <a:rPr dirty="0"/>
+              <a:t> </a:t>
+            </a:r>
+            <a:r>
+              <a:rPr dirty="0" err="1"/>
+              <a:t>uğruyoruz</a:t>
+            </a:r>
+            <a:r>
+              <a:rPr dirty="0"/>
+              <a:t>.</a:t>
             </a:r>
           </a:p>
         </p:txBody>
@@ -4692,7 +5217,7 @@
         </p:nvSpPr>
         <p:spPr>
           <a:xfrm>
-            <a:off x="140209" y="1868806"/>
+            <a:off x="623887" y="1076326"/>
             <a:ext cx="3008313" cy="3518297"/>
           </a:xfrm>
         </p:spPr>
@@ -4709,10 +5234,10 @@
               <a:buNone/>
             </a:pPr>
             <a:r>
-              <a:rPr sz="4400" b="1" dirty="0" err="1"/>
+              <a:rPr sz="3600" b="1" dirty="0" err="1"/>
               <a:t>Diziler</a:t>
             </a:r>
-            <a:endParaRPr sz="4400" b="1" dirty="0"/>
+            <a:endParaRPr sz="3600" b="1" dirty="0"/>
           </a:p>
         </p:txBody>
       </p:sp>
@@ -4754,7 +5279,7 @@
         </p:nvSpPr>
         <p:spPr>
           <a:xfrm>
-            <a:off x="3568700" y="4076700"/>
+            <a:off x="3414713" y="4067174"/>
             <a:ext cx="5105400" cy="508000"/>
           </a:xfrm>
           <a:prstGeom prst="rect">
@@ -4769,10 +5294,7 @@
             <a:pPr marL="0" lvl="0" indent="0" algn="ctr">
               <a:buNone/>
             </a:pPr>
-            <a:r>
-              <a:rPr dirty="0"/>
-              <a:t>center h:500px</a:t>
-            </a:r>
+            <a:endParaRPr dirty="0"/>
           </a:p>
         </p:txBody>
       </p:sp>
@@ -4823,23 +5345,309 @@
               <a:buNone/>
             </a:pPr>
             <a:r>
-              <a:rPr b="1"/>
-              <a:t>Bağlı listeler</a:t>
-            </a:r>
+              <a:rPr b="1" dirty="0" err="1"/>
+              <a:t>Bağlı</a:t>
+            </a:r>
+            <a:r>
+              <a:rPr b="1" dirty="0"/>
+              <a:t> </a:t>
+            </a:r>
+            <a:r>
+              <a:rPr b="1" dirty="0" err="1"/>
+              <a:t>listeler</a:t>
+            </a:r>
+            <a:endParaRPr b="1" dirty="0"/>
           </a:p>
           <a:p>
             <a:pPr lvl="0"/>
             <a:r>
-              <a:t>Bağlı listeler, yan yana zorunluluğu olmadan veri tutmamızı sağlayan yapılardır. Yeni gelen eleman için hafıza’da yeni bir alan açmamız gerekmez. Array’dan farklı olarak evet elemanlar hafıza içerisinde dağılmış olabilir, fakat son gelen eleman kendinden bir önceki elemana adresini bildirmek zorundadır.</a:t>
-            </a:r>
-          </a:p>
-          <a:p>
-            <a:pPr marL="342900" lvl="1" indent="0">
-              <a:buNone/>
-            </a:pPr>
-            <a:r>
-              <a:t>bg right:50% h:400px</a:t>
-            </a:r>
+              <a:rPr dirty="0" err="1"/>
+              <a:t>Bağlı</a:t>
+            </a:r>
+            <a:r>
+              <a:rPr dirty="0"/>
+              <a:t> </a:t>
+            </a:r>
+            <a:r>
+              <a:rPr dirty="0" err="1"/>
+              <a:t>listeler</a:t>
+            </a:r>
+            <a:r>
+              <a:rPr dirty="0"/>
+              <a:t>, </a:t>
+            </a:r>
+            <a:r>
+              <a:rPr dirty="0" err="1"/>
+              <a:t>yan</a:t>
+            </a:r>
+            <a:r>
+              <a:rPr dirty="0"/>
+              <a:t> </a:t>
+            </a:r>
+            <a:r>
+              <a:rPr dirty="0" err="1"/>
+              <a:t>yana</a:t>
+            </a:r>
+            <a:r>
+              <a:rPr dirty="0"/>
+              <a:t> </a:t>
+            </a:r>
+            <a:r>
+              <a:rPr dirty="0" err="1"/>
+              <a:t>zorunluluğu</a:t>
+            </a:r>
+            <a:r>
+              <a:rPr dirty="0"/>
+              <a:t> </a:t>
+            </a:r>
+            <a:r>
+              <a:rPr dirty="0" err="1"/>
+              <a:t>olmadan</a:t>
+            </a:r>
+            <a:r>
+              <a:rPr dirty="0"/>
+              <a:t> </a:t>
+            </a:r>
+            <a:r>
+              <a:rPr dirty="0" err="1"/>
+              <a:t>veri</a:t>
+            </a:r>
+            <a:r>
+              <a:rPr dirty="0"/>
+              <a:t> </a:t>
+            </a:r>
+            <a:r>
+              <a:rPr dirty="0" err="1"/>
+              <a:t>tutmamızı</a:t>
+            </a:r>
+            <a:r>
+              <a:rPr dirty="0"/>
+              <a:t> </a:t>
+            </a:r>
+            <a:r>
+              <a:rPr dirty="0" err="1"/>
+              <a:t>sağlayan</a:t>
+            </a:r>
+            <a:r>
+              <a:rPr dirty="0"/>
+              <a:t> </a:t>
+            </a:r>
+            <a:r>
+              <a:rPr dirty="0" err="1"/>
+              <a:t>yapılardır</a:t>
+            </a:r>
+            <a:r>
+              <a:rPr dirty="0"/>
+              <a:t>. Yeni </a:t>
+            </a:r>
+            <a:r>
+              <a:rPr dirty="0" err="1"/>
+              <a:t>gelen</a:t>
+            </a:r>
+            <a:r>
+              <a:rPr dirty="0"/>
+              <a:t> </a:t>
+            </a:r>
+            <a:r>
+              <a:rPr dirty="0" err="1"/>
+              <a:t>eleman</a:t>
+            </a:r>
+            <a:r>
+              <a:rPr dirty="0"/>
+              <a:t> </a:t>
+            </a:r>
+            <a:r>
+              <a:rPr dirty="0" err="1"/>
+              <a:t>için</a:t>
+            </a:r>
+            <a:r>
+              <a:rPr dirty="0"/>
+              <a:t> </a:t>
+            </a:r>
+            <a:r>
+              <a:rPr dirty="0" err="1"/>
+              <a:t>hafıza’da</a:t>
+            </a:r>
+            <a:r>
+              <a:rPr dirty="0"/>
+              <a:t> yeni </a:t>
+            </a:r>
+            <a:r>
+              <a:rPr dirty="0" err="1"/>
+              <a:t>bir</a:t>
+            </a:r>
+            <a:r>
+              <a:rPr dirty="0"/>
+              <a:t> </a:t>
+            </a:r>
+            <a:r>
+              <a:rPr dirty="0" err="1"/>
+              <a:t>alan</a:t>
+            </a:r>
+            <a:r>
+              <a:rPr dirty="0"/>
+              <a:t> </a:t>
+            </a:r>
+            <a:r>
+              <a:rPr dirty="0" err="1"/>
+              <a:t>açmamız</a:t>
+            </a:r>
+            <a:r>
+              <a:rPr dirty="0"/>
+              <a:t> </a:t>
+            </a:r>
+            <a:r>
+              <a:rPr dirty="0" err="1"/>
+              <a:t>gerekmez</a:t>
+            </a:r>
+            <a:r>
+              <a:rPr dirty="0"/>
+              <a:t>. </a:t>
+            </a:r>
+            <a:r>
+              <a:rPr dirty="0" err="1"/>
+              <a:t>Array’dan</a:t>
+            </a:r>
+            <a:r>
+              <a:rPr dirty="0"/>
+              <a:t> </a:t>
+            </a:r>
+            <a:r>
+              <a:rPr dirty="0" err="1"/>
+              <a:t>farklı</a:t>
+            </a:r>
+            <a:r>
+              <a:rPr dirty="0"/>
+              <a:t> </a:t>
+            </a:r>
+            <a:r>
+              <a:rPr dirty="0" err="1"/>
+              <a:t>olarak</a:t>
+            </a:r>
+            <a:r>
+              <a:rPr dirty="0"/>
+              <a:t> evet </a:t>
+            </a:r>
+            <a:r>
+              <a:rPr dirty="0" err="1"/>
+              <a:t>elemanlar</a:t>
+            </a:r>
+            <a:r>
+              <a:rPr dirty="0"/>
+              <a:t> </a:t>
+            </a:r>
+            <a:r>
+              <a:rPr dirty="0" err="1"/>
+              <a:t>hafıza</a:t>
+            </a:r>
+            <a:r>
+              <a:rPr dirty="0"/>
+              <a:t> </a:t>
+            </a:r>
+            <a:r>
+              <a:rPr dirty="0" err="1"/>
+              <a:t>içerisinde</a:t>
+            </a:r>
+            <a:r>
+              <a:rPr dirty="0"/>
+              <a:t> </a:t>
+            </a:r>
+            <a:r>
+              <a:rPr dirty="0" err="1"/>
+              <a:t>dağılmış</a:t>
+            </a:r>
+            <a:r>
+              <a:rPr dirty="0"/>
+              <a:t> </a:t>
+            </a:r>
+            <a:r>
+              <a:rPr dirty="0" err="1"/>
+              <a:t>olabilir</a:t>
+            </a:r>
+            <a:r>
+              <a:rPr dirty="0"/>
+              <a:t>, </a:t>
+            </a:r>
+            <a:r>
+              <a:rPr dirty="0" err="1"/>
+              <a:t>fakat</a:t>
+            </a:r>
+            <a:r>
+              <a:rPr dirty="0"/>
+              <a:t> son </a:t>
+            </a:r>
+            <a:r>
+              <a:rPr dirty="0" err="1"/>
+              <a:t>gelen</a:t>
+            </a:r>
+            <a:r>
+              <a:rPr dirty="0"/>
+              <a:t> </a:t>
+            </a:r>
+            <a:r>
+              <a:rPr dirty="0" err="1"/>
+              <a:t>eleman</a:t>
+            </a:r>
+            <a:r>
+              <a:rPr dirty="0"/>
+              <a:t> </a:t>
+            </a:r>
+            <a:r>
+              <a:rPr dirty="0" err="1"/>
+              <a:t>kendinden</a:t>
+            </a:r>
+            <a:r>
+              <a:rPr dirty="0"/>
+              <a:t> </a:t>
+            </a:r>
+            <a:r>
+              <a:rPr dirty="0" err="1"/>
+              <a:t>bir</a:t>
+            </a:r>
+            <a:r>
+              <a:rPr dirty="0"/>
+              <a:t> </a:t>
+            </a:r>
+            <a:r>
+              <a:rPr dirty="0" err="1"/>
+              <a:t>önceki</a:t>
+            </a:r>
+            <a:r>
+              <a:rPr dirty="0"/>
+              <a:t> </a:t>
+            </a:r>
+            <a:r>
+              <a:rPr dirty="0" err="1"/>
+              <a:t>elemana</a:t>
+            </a:r>
+            <a:r>
+              <a:rPr dirty="0"/>
+              <a:t> </a:t>
+            </a:r>
+            <a:r>
+              <a:rPr dirty="0" err="1"/>
+              <a:t>adresini</a:t>
+            </a:r>
+            <a:r>
+              <a:rPr dirty="0"/>
+              <a:t> </a:t>
+            </a:r>
+            <a:r>
+              <a:rPr dirty="0" err="1"/>
+              <a:t>bildirmek</a:t>
+            </a:r>
+            <a:r>
+              <a:rPr dirty="0"/>
+              <a:t> </a:t>
+            </a:r>
+            <a:r>
+              <a:rPr dirty="0" err="1"/>
+              <a:t>zorundadır</a:t>
+            </a:r>
+            <a:r>
+              <a:t>.</a:t>
+            </a:r>
+            <a:endParaRPr dirty="0"/>
           </a:p>
         </p:txBody>
       </p:sp>

--- a/site/week-2/week-2.tr.md_word.pptx
+++ b/site/week-2/week-2.tr.md_word.pptx
@@ -1,6 +1,6 @@
 
 <file path=ppt/presentation.xml><?xml version="1.0" encoding="utf-8"?>
-<p:presentation xmlns:a="http://schemas.openxmlformats.org/drawingml/2006/main" xmlns:r="http://schemas.openxmlformats.org/officeDocument/2006/relationships" xmlns:p="http://schemas.openxmlformats.org/presentationml/2006/main" saveSubsetFonts="1" autoCompressPictures="0">
+<p:presentation xmlns:a="http://schemas.openxmlformats.org/drawingml/2006/main" xmlns:p="http://schemas.openxmlformats.org/presentationml/2006/main" xmlns:r="http://schemas.openxmlformats.org/officeDocument/2006/relationships" autoCompressPictures="0" saveSubsetFonts="1">
   <p:sldMasterIdLst>
     <p:sldMasterId id="2147483648" r:id="rId1"/>
   </p:sldMasterIdLst>
@@ -23,8 +23,8 @@
     <a:defPPr>
       <a:defRPr lang="en-US"/>
     </a:defPPr>
-    <a:lvl1pPr marL="0" algn="l" defTabSz="457200" rtl="0" eaLnBrk="1" latinLnBrk="0" hangingPunct="1">
-      <a:defRPr sz="1800" kern="1200">
+    <a:lvl1pPr algn="l" defTabSz="457200" eaLnBrk="1" hangingPunct="1" latinLnBrk="0" marL="0" rtl="0">
+      <a:defRPr kern="1200" sz="1800">
         <a:solidFill>
           <a:schemeClr val="tx1"/>
         </a:solidFill>
@@ -33,8 +33,8 @@
         <a:cs typeface="+mn-cs"/>
       </a:defRPr>
     </a:lvl1pPr>
-    <a:lvl2pPr marL="457200" algn="l" defTabSz="457200" rtl="0" eaLnBrk="1" latinLnBrk="0" hangingPunct="1">
-      <a:defRPr sz="1800" kern="1200">
+    <a:lvl2pPr algn="l" defTabSz="457200" eaLnBrk="1" hangingPunct="1" latinLnBrk="0" marL="457200" rtl="0">
+      <a:defRPr kern="1200" sz="1800">
         <a:solidFill>
           <a:schemeClr val="tx1"/>
         </a:solidFill>
@@ -43,8 +43,8 @@
         <a:cs typeface="+mn-cs"/>
       </a:defRPr>
     </a:lvl2pPr>
-    <a:lvl3pPr marL="914400" algn="l" defTabSz="457200" rtl="0" eaLnBrk="1" latinLnBrk="0" hangingPunct="1">
-      <a:defRPr sz="1800" kern="1200">
+    <a:lvl3pPr algn="l" defTabSz="457200" eaLnBrk="1" hangingPunct="1" latinLnBrk="0" marL="914400" rtl="0">
+      <a:defRPr kern="1200" sz="1800">
         <a:solidFill>
           <a:schemeClr val="tx1"/>
         </a:solidFill>
@@ -53,8 +53,8 @@
         <a:cs typeface="+mn-cs"/>
       </a:defRPr>
     </a:lvl3pPr>
-    <a:lvl4pPr marL="1371600" algn="l" defTabSz="457200" rtl="0" eaLnBrk="1" latinLnBrk="0" hangingPunct="1">
-      <a:defRPr sz="1800" kern="1200">
+    <a:lvl4pPr algn="l" defTabSz="457200" eaLnBrk="1" hangingPunct="1" latinLnBrk="0" marL="1371600" rtl="0">
+      <a:defRPr kern="1200" sz="1800">
         <a:solidFill>
           <a:schemeClr val="tx1"/>
         </a:solidFill>
@@ -63,8 +63,8 @@
         <a:cs typeface="+mn-cs"/>
       </a:defRPr>
     </a:lvl4pPr>
-    <a:lvl5pPr marL="1828800" algn="l" defTabSz="457200" rtl="0" eaLnBrk="1" latinLnBrk="0" hangingPunct="1">
-      <a:defRPr sz="1800" kern="1200">
+    <a:lvl5pPr algn="l" defTabSz="457200" eaLnBrk="1" hangingPunct="1" latinLnBrk="0" marL="1828800" rtl="0">
+      <a:defRPr kern="1200" sz="1800">
         <a:solidFill>
           <a:schemeClr val="tx1"/>
         </a:solidFill>
@@ -73,8 +73,8 @@
         <a:cs typeface="+mn-cs"/>
       </a:defRPr>
     </a:lvl5pPr>
-    <a:lvl6pPr marL="2286000" algn="l" defTabSz="457200" rtl="0" eaLnBrk="1" latinLnBrk="0" hangingPunct="1">
-      <a:defRPr sz="1800" kern="1200">
+    <a:lvl6pPr algn="l" defTabSz="457200" eaLnBrk="1" hangingPunct="1" latinLnBrk="0" marL="2286000" rtl="0">
+      <a:defRPr kern="1200" sz="1800">
         <a:solidFill>
           <a:schemeClr val="tx1"/>
         </a:solidFill>
@@ -83,8 +83,8 @@
         <a:cs typeface="+mn-cs"/>
       </a:defRPr>
     </a:lvl6pPr>
-    <a:lvl7pPr marL="2743200" algn="l" defTabSz="457200" rtl="0" eaLnBrk="1" latinLnBrk="0" hangingPunct="1">
-      <a:defRPr sz="1800" kern="1200">
+    <a:lvl7pPr algn="l" defTabSz="457200" eaLnBrk="1" hangingPunct="1" latinLnBrk="0" marL="2743200" rtl="0">
+      <a:defRPr kern="1200" sz="1800">
         <a:solidFill>
           <a:schemeClr val="tx1"/>
         </a:solidFill>
@@ -93,8 +93,8 @@
         <a:cs typeface="+mn-cs"/>
       </a:defRPr>
     </a:lvl7pPr>
-    <a:lvl8pPr marL="3200400" algn="l" defTabSz="457200" rtl="0" eaLnBrk="1" latinLnBrk="0" hangingPunct="1">
-      <a:defRPr sz="1800" kern="1200">
+    <a:lvl8pPr algn="l" defTabSz="457200" eaLnBrk="1" hangingPunct="1" latinLnBrk="0" marL="3200400" rtl="0">
+      <a:defRPr kern="1200" sz="1800">
         <a:solidFill>
           <a:schemeClr val="tx1"/>
         </a:solidFill>
@@ -103,8 +103,8 @@
         <a:cs typeface="+mn-cs"/>
       </a:defRPr>
     </a:lvl8pPr>
-    <a:lvl9pPr marL="3657600" algn="l" defTabSz="457200" rtl="0" eaLnBrk="1" latinLnBrk="0" hangingPunct="1">
-      <a:defRPr sz="1800" kern="1200">
+    <a:lvl9pPr algn="l" defTabSz="457200" eaLnBrk="1" hangingPunct="1" latinLnBrk="0" marL="3657600" rtl="0">
+      <a:defRPr kern="1200" sz="1800">
         <a:solidFill>
           <a:schemeClr val="tx1"/>
         </a:solidFill>
@@ -312,7 +312,7 @@
           <a:p>
             <a:fld id="{241EB5C9-1307-BA42-ABA2-0BC069CD8E7F}" type="datetimeFigureOut">
               <a:rPr lang="en-US" smtClean="0"/>
-              <a:t>10/18/2022</a:t>
+              <a:t>1/2/22</a:t>
             </a:fld>
             <a:endParaRPr lang="en-US"/>
           </a:p>
@@ -480,7 +480,7 @@
           <a:p>
             <a:fld id="{241EB5C9-1307-BA42-ABA2-0BC069CD8E7F}" type="datetimeFigureOut">
               <a:rPr lang="en-US" smtClean="0"/>
-              <a:t>10/18/2022</a:t>
+              <a:t>1/2/22</a:t>
             </a:fld>
             <a:endParaRPr lang="en-US"/>
           </a:p>
@@ -658,7 +658,7 @@
           <a:p>
             <a:fld id="{241EB5C9-1307-BA42-ABA2-0BC069CD8E7F}" type="datetimeFigureOut">
               <a:rPr lang="en-US" smtClean="0"/>
-              <a:t>10/18/2022</a:t>
+              <a:t>1/2/22</a:t>
             </a:fld>
             <a:endParaRPr lang="en-US"/>
           </a:p>
@@ -826,7 +826,7 @@
           <a:p>
             <a:fld id="{241EB5C9-1307-BA42-ABA2-0BC069CD8E7F}" type="datetimeFigureOut">
               <a:rPr lang="en-US" smtClean="0"/>
-              <a:t>10/18/2022</a:t>
+              <a:t>1/2/22</a:t>
             </a:fld>
             <a:endParaRPr lang="en-US"/>
           </a:p>
@@ -1071,7 +1071,7 @@
           <a:p>
             <a:fld id="{241EB5C9-1307-BA42-ABA2-0BC069CD8E7F}" type="datetimeFigureOut">
               <a:rPr lang="en-US" smtClean="0"/>
-              <a:t>10/18/2022</a:t>
+              <a:t>1/2/22</a:t>
             </a:fld>
             <a:endParaRPr lang="en-US"/>
           </a:p>
@@ -1356,7 +1356,7 @@
           <a:p>
             <a:fld id="{241EB5C9-1307-BA42-ABA2-0BC069CD8E7F}" type="datetimeFigureOut">
               <a:rPr lang="en-US" smtClean="0"/>
-              <a:t>10/18/2022</a:t>
+              <a:t>1/2/22</a:t>
             </a:fld>
             <a:endParaRPr lang="en-US"/>
           </a:p>
@@ -1775,7 +1775,7 @@
           <a:p>
             <a:fld id="{241EB5C9-1307-BA42-ABA2-0BC069CD8E7F}" type="datetimeFigureOut">
               <a:rPr lang="en-US" smtClean="0"/>
-              <a:t>10/18/2022</a:t>
+              <a:t>1/2/22</a:t>
             </a:fld>
             <a:endParaRPr lang="en-US"/>
           </a:p>
@@ -1892,7 +1892,7 @@
           <a:p>
             <a:fld id="{241EB5C9-1307-BA42-ABA2-0BC069CD8E7F}" type="datetimeFigureOut">
               <a:rPr lang="en-US" smtClean="0"/>
-              <a:t>10/18/2022</a:t>
+              <a:t>1/2/22</a:t>
             </a:fld>
             <a:endParaRPr lang="en-US"/>
           </a:p>
@@ -1987,7 +1987,7 @@
           <a:p>
             <a:fld id="{241EB5C9-1307-BA42-ABA2-0BC069CD8E7F}" type="datetimeFigureOut">
               <a:rPr lang="en-US" smtClean="0"/>
-              <a:t>10/18/2022</a:t>
+              <a:t>1/2/22</a:t>
             </a:fld>
             <a:endParaRPr lang="en-US"/>
           </a:p>
@@ -2262,7 +2262,7 @@
           <a:p>
             <a:fld id="{241EB5C9-1307-BA42-ABA2-0BC069CD8E7F}" type="datetimeFigureOut">
               <a:rPr lang="en-US" smtClean="0"/>
-              <a:t>10/18/2022</a:t>
+              <a:t>1/2/22</a:t>
             </a:fld>
             <a:endParaRPr lang="en-US"/>
           </a:p>
@@ -2514,7 +2514,7 @@
           <a:p>
             <a:fld id="{241EB5C9-1307-BA42-ABA2-0BC069CD8E7F}" type="datetimeFigureOut">
               <a:rPr lang="en-US" smtClean="0"/>
-              <a:t>10/18/2022</a:t>
+              <a:t>1/2/22</a:t>
             </a:fld>
             <a:endParaRPr lang="en-US"/>
           </a:p>
@@ -2576,7 +2576,7 @@
 </file>
 
 <file path=ppt/slideMasters/slideMaster1.xml><?xml version="1.0" encoding="utf-8"?>
-<p:sldMaster xmlns:a="http://schemas.openxmlformats.org/drawingml/2006/main" xmlns:r="http://schemas.openxmlformats.org/officeDocument/2006/relationships" xmlns:p="http://schemas.openxmlformats.org/presentationml/2006/main">
+<p:sldMaster xmlns:a="http://schemas.openxmlformats.org/drawingml/2006/main" xmlns:p="http://schemas.openxmlformats.org/presentationml/2006/main" xmlns:r="http://schemas.openxmlformats.org/officeDocument/2006/relationships">
   <p:cSld>
     <p:bg>
       <p:bgRef idx="1001">
@@ -2617,7 +2617,7 @@
           </a:prstGeom>
         </p:spPr>
         <p:txBody>
-          <a:bodyPr vert="horz" lIns="91440" tIns="45720" rIns="91440" bIns="45720" rtlCol="0" anchor="ctr">
+          <a:bodyPr anchor="ctr" bIns="45720" lIns="91440" rIns="91440" rtlCol="0" tIns="45720" vert="horz">
             <a:normAutofit/>
           </a:bodyPr>
           <a:lstStyle/>
@@ -2636,7 +2636,7 @@
             <a:spLocks noGrp="1"/>
           </p:cNvSpPr>
           <p:nvPr>
-            <p:ph type="body" idx="1"/>
+            <p:ph idx="1" type="body"/>
           </p:nvPr>
         </p:nvSpPr>
         <p:spPr>
@@ -2649,7 +2649,7 @@
           </a:prstGeom>
         </p:spPr>
         <p:txBody>
-          <a:bodyPr vert="horz" lIns="91440" tIns="45720" rIns="91440" bIns="45720" rtlCol="0">
+          <a:bodyPr bIns="45720" lIns="91440" rIns="91440" rtlCol="0" tIns="45720" vert="horz">
             <a:normAutofit/>
           </a:bodyPr>
           <a:lstStyle/>
@@ -2697,7 +2697,7 @@
             <a:spLocks noGrp="1"/>
           </p:cNvSpPr>
           <p:nvPr>
-            <p:ph type="dt" sz="half" idx="2"/>
+            <p:ph idx="2" sz="half" type="dt"/>
           </p:nvPr>
         </p:nvSpPr>
         <p:spPr>
@@ -2710,7 +2710,7 @@
           </a:prstGeom>
         </p:spPr>
         <p:txBody>
-          <a:bodyPr vert="horz" lIns="91440" tIns="45720" rIns="91440" bIns="45720" rtlCol="0" anchor="ctr"/>
+          <a:bodyPr anchor="ctr" bIns="45720" lIns="91440" rIns="91440" rtlCol="0" tIns="45720" vert="horz"/>
           <a:lstStyle>
             <a:lvl1pPr algn="l">
               <a:defRPr sz="900">
@@ -2725,7 +2725,7 @@
           <a:p>
             <a:fld id="{241EB5C9-1307-BA42-ABA2-0BC069CD8E7F}" type="datetimeFigureOut">
               <a:rPr lang="en-US" smtClean="0"/>
-              <a:t>10/18/2022</a:t>
+              <a:t>1/2/22</a:t>
             </a:fld>
             <a:endParaRPr lang="en-US"/>
           </a:p>
@@ -2738,7 +2738,7 @@
             <a:spLocks noGrp="1"/>
           </p:cNvSpPr>
           <p:nvPr>
-            <p:ph type="ftr" sz="quarter" idx="3"/>
+            <p:ph idx="3" sz="quarter" type="ftr"/>
           </p:nvPr>
         </p:nvSpPr>
         <p:spPr>
@@ -2751,7 +2751,7 @@
           </a:prstGeom>
         </p:spPr>
         <p:txBody>
-          <a:bodyPr vert="horz" lIns="91440" tIns="45720" rIns="91440" bIns="45720" rtlCol="0" anchor="ctr"/>
+          <a:bodyPr anchor="ctr" bIns="45720" lIns="91440" rIns="91440" rtlCol="0" tIns="45720" vert="horz"/>
           <a:lstStyle>
             <a:lvl1pPr algn="ctr">
               <a:defRPr sz="900">
@@ -2775,7 +2775,7 @@
             <a:spLocks noGrp="1"/>
           </p:cNvSpPr>
           <p:nvPr>
-            <p:ph type="sldNum" sz="quarter" idx="4"/>
+            <p:ph idx="4" sz="quarter" type="sldNum"/>
           </p:nvPr>
         </p:nvSpPr>
         <p:spPr>
@@ -2788,7 +2788,7 @@
           </a:prstGeom>
         </p:spPr>
         <p:txBody>
-          <a:bodyPr vert="horz" lIns="91440" tIns="45720" rIns="91440" bIns="45720" rtlCol="0" anchor="ctr"/>
+          <a:bodyPr anchor="ctr" bIns="45720" lIns="91440" rIns="91440" rtlCol="0" tIns="45720" vert="horz"/>
           <a:lstStyle>
             <a:lvl1pPr algn="r">
               <a:defRPr sz="900">
@@ -2816,7 +2816,7 @@
       </p:ext>
     </p:extLst>
   </p:cSld>
-  <p:clrMap bg1="lt1" tx1="dk1" bg2="lt2" tx2="dk2" accent1="accent1" accent2="accent2" accent3="accent3" accent4="accent4" accent5="accent5" accent6="accent6" hlink="hlink" folHlink="folHlink"/>
+  <p:clrMap accent1="accent1" accent2="accent2" accent3="accent3" accent4="accent4" accent5="accent5" accent6="accent6" bg1="lt1" bg2="lt2" folHlink="folHlink" hlink="hlink" tx1="dk1" tx2="dk2"/>
   <p:sldLayoutIdLst>
     <p:sldLayoutId id="2147483649" r:id="rId1"/>
     <p:sldLayoutId id="2147483650" r:id="rId2"/>
@@ -2832,12 +2832,12 @@
   </p:sldLayoutIdLst>
   <p:txStyles>
     <p:titleStyle>
-      <a:lvl1pPr algn="ctr" defTabSz="342900" rtl="0" eaLnBrk="1" latinLnBrk="0" hangingPunct="1">
+      <a:lvl1pPr algn="ctr" defTabSz="342900" eaLnBrk="1" hangingPunct="1" latinLnBrk="0" rtl="0">
         <a:spcBef>
           <a:spcPct val="0"/>
         </a:spcBef>
         <a:buNone/>
-        <a:defRPr sz="3300" kern="1200">
+        <a:defRPr kern="1200" sz="3300">
           <a:solidFill>
             <a:schemeClr val="tx1"/>
           </a:solidFill>
@@ -2848,13 +2848,13 @@
       </a:lvl1pPr>
     </p:titleStyle>
     <p:bodyStyle>
-      <a:lvl1pPr marL="342900" indent="-342900" algn="l" defTabSz="342900" rtl="0" eaLnBrk="1" latinLnBrk="0" hangingPunct="1">
+      <a:lvl1pPr algn="l" defTabSz="342900" eaLnBrk="1" hangingPunct="1" indent="-342900" latinLnBrk="0" marL="342900" rtl="0">
         <a:spcBef>
           <a:spcPct val="20000"/>
         </a:spcBef>
         <a:buFont typeface="Arial"/>
         <a:buChar char="•"/>
-        <a:defRPr sz="2400" kern="1200">
+        <a:defRPr kern="1200" sz="2400">
           <a:solidFill>
             <a:schemeClr val="tx1"/>
           </a:solidFill>
@@ -2863,13 +2863,13 @@
           <a:cs typeface="+mn-cs"/>
         </a:defRPr>
       </a:lvl1pPr>
-      <a:lvl2pPr marL="685800" indent="-342900" algn="l" defTabSz="342900" rtl="0" eaLnBrk="1" latinLnBrk="0" hangingPunct="1">
+      <a:lvl2pPr algn="l" defTabSz="342900" eaLnBrk="1" hangingPunct="1" indent="-342900" latinLnBrk="0" marL="685800" rtl="0">
         <a:spcBef>
           <a:spcPct val="20000"/>
         </a:spcBef>
         <a:buFont typeface="Arial"/>
         <a:buChar char="–"/>
-        <a:defRPr sz="2100" kern="1200">
+        <a:defRPr kern="1200" sz="2100">
           <a:solidFill>
             <a:schemeClr val="tx1"/>
           </a:solidFill>
@@ -2878,13 +2878,13 @@
           <a:cs typeface="+mn-cs"/>
         </a:defRPr>
       </a:lvl2pPr>
-      <a:lvl3pPr marL="1028700" indent="-342900" algn="l" defTabSz="342900" rtl="0" eaLnBrk="1" latinLnBrk="0" hangingPunct="1">
+      <a:lvl3pPr algn="l" defTabSz="342900" eaLnBrk="1" hangingPunct="1" indent="-342900" latinLnBrk="0" marL="1028700" rtl="0">
         <a:spcBef>
           <a:spcPct val="20000"/>
         </a:spcBef>
         <a:buFont typeface="Arial"/>
         <a:buChar char="•"/>
-        <a:defRPr sz="1800" kern="1200">
+        <a:defRPr kern="1200" sz="1800">
           <a:solidFill>
             <a:schemeClr val="tx1"/>
           </a:solidFill>
@@ -2893,13 +2893,13 @@
           <a:cs typeface="+mn-cs"/>
         </a:defRPr>
       </a:lvl3pPr>
-      <a:lvl4pPr marL="1371600" indent="-342900" algn="l" defTabSz="342900" rtl="0" eaLnBrk="1" latinLnBrk="0" hangingPunct="1">
+      <a:lvl4pPr algn="l" defTabSz="342900" eaLnBrk="1" hangingPunct="1" indent="-342900" latinLnBrk="0" marL="1371600" rtl="0">
         <a:spcBef>
           <a:spcPct val="20000"/>
         </a:spcBef>
         <a:buFont typeface="Arial"/>
         <a:buChar char="–"/>
-        <a:defRPr sz="1500" kern="1200">
+        <a:defRPr kern="1200" sz="1500">
           <a:solidFill>
             <a:schemeClr val="tx1"/>
           </a:solidFill>
@@ -2908,13 +2908,13 @@
           <a:cs typeface="+mn-cs"/>
         </a:defRPr>
       </a:lvl4pPr>
-      <a:lvl5pPr marL="1714500" indent="-342900" algn="l" defTabSz="342900" rtl="0" eaLnBrk="1" latinLnBrk="0" hangingPunct="1">
+      <a:lvl5pPr algn="l" defTabSz="342900" eaLnBrk="1" hangingPunct="1" indent="-342900" latinLnBrk="0" marL="1714500" rtl="0">
         <a:spcBef>
           <a:spcPct val="20000"/>
         </a:spcBef>
         <a:buFont typeface="Arial"/>
         <a:buChar char="»"/>
-        <a:defRPr sz="1500" kern="1200">
+        <a:defRPr kern="1200" sz="1500">
           <a:solidFill>
             <a:schemeClr val="tx1"/>
           </a:solidFill>
@@ -2923,13 +2923,13 @@
           <a:cs typeface="+mn-cs"/>
         </a:defRPr>
       </a:lvl5pPr>
-      <a:lvl6pPr marL="2057400" indent="-342900" algn="l" defTabSz="342900" rtl="0" eaLnBrk="1" latinLnBrk="0" hangingPunct="1">
+      <a:lvl6pPr algn="l" defTabSz="342900" eaLnBrk="1" hangingPunct="1" indent="-342900" latinLnBrk="0" marL="2057400" rtl="0">
         <a:spcBef>
           <a:spcPct val="20000"/>
         </a:spcBef>
         <a:buFont typeface="Arial"/>
         <a:buChar char="•"/>
-        <a:defRPr sz="1500" kern="1200">
+        <a:defRPr kern="1200" sz="1500">
           <a:solidFill>
             <a:schemeClr val="tx1"/>
           </a:solidFill>
@@ -2938,13 +2938,13 @@
           <a:cs typeface="+mn-cs"/>
         </a:defRPr>
       </a:lvl6pPr>
-      <a:lvl7pPr marL="2400300" indent="-342900" algn="l" defTabSz="342900" rtl="0" eaLnBrk="1" latinLnBrk="0" hangingPunct="1">
+      <a:lvl7pPr algn="l" defTabSz="342900" eaLnBrk="1" hangingPunct="1" indent="-342900" latinLnBrk="0" marL="2400300" rtl="0">
         <a:spcBef>
           <a:spcPct val="20000"/>
         </a:spcBef>
         <a:buFont typeface="Arial"/>
         <a:buChar char="•"/>
-        <a:defRPr sz="1500" kern="1200">
+        <a:defRPr kern="1200" sz="1500">
           <a:solidFill>
             <a:schemeClr val="tx1"/>
           </a:solidFill>
@@ -2953,13 +2953,13 @@
           <a:cs typeface="+mn-cs"/>
         </a:defRPr>
       </a:lvl7pPr>
-      <a:lvl8pPr marL="2743200" indent="-342900" algn="l" defTabSz="342900" rtl="0" eaLnBrk="1" latinLnBrk="0" hangingPunct="1">
+      <a:lvl8pPr algn="l" defTabSz="342900" eaLnBrk="1" hangingPunct="1" indent="-342900" latinLnBrk="0" marL="2743200" rtl="0">
         <a:spcBef>
           <a:spcPct val="20000"/>
         </a:spcBef>
         <a:buFont typeface="Arial"/>
         <a:buChar char="•"/>
-        <a:defRPr sz="1500" kern="1200">
+        <a:defRPr kern="1200" sz="1500">
           <a:solidFill>
             <a:schemeClr val="tx1"/>
           </a:solidFill>
@@ -2968,13 +2968,13 @@
           <a:cs typeface="+mn-cs"/>
         </a:defRPr>
       </a:lvl8pPr>
-      <a:lvl9pPr marL="3086100" indent="-342900" algn="l" defTabSz="342900" rtl="0" eaLnBrk="1" latinLnBrk="0" hangingPunct="1">
+      <a:lvl9pPr algn="l" defTabSz="342900" eaLnBrk="1" hangingPunct="1" indent="-342900" latinLnBrk="0" marL="3086100" rtl="0">
         <a:spcBef>
           <a:spcPct val="20000"/>
         </a:spcBef>
         <a:buFont typeface="Arial"/>
         <a:buChar char="•"/>
-        <a:defRPr sz="1500" kern="1200">
+        <a:defRPr kern="1200" sz="1500">
           <a:solidFill>
             <a:schemeClr val="tx1"/>
           </a:solidFill>
@@ -2988,8 +2988,8 @@
       <a:defPPr>
         <a:defRPr lang="en-US"/>
       </a:defPPr>
-      <a:lvl1pPr marL="0" algn="l" defTabSz="342900" rtl="0" eaLnBrk="1" latinLnBrk="0" hangingPunct="1">
-        <a:defRPr sz="1350" kern="1200">
+      <a:lvl1pPr algn="l" defTabSz="342900" eaLnBrk="1" hangingPunct="1" latinLnBrk="0" marL="0" rtl="0">
+        <a:defRPr kern="1200" sz="1350">
           <a:solidFill>
             <a:schemeClr val="tx1"/>
           </a:solidFill>
@@ -2998,8 +2998,8 @@
           <a:cs typeface="+mn-cs"/>
         </a:defRPr>
       </a:lvl1pPr>
-      <a:lvl2pPr marL="342900" algn="l" defTabSz="342900" rtl="0" eaLnBrk="1" latinLnBrk="0" hangingPunct="1">
-        <a:defRPr sz="1350" kern="1200">
+      <a:lvl2pPr algn="l" defTabSz="342900" eaLnBrk="1" hangingPunct="1" latinLnBrk="0" marL="342900" rtl="0">
+        <a:defRPr kern="1200" sz="1350">
           <a:solidFill>
             <a:schemeClr val="tx1"/>
           </a:solidFill>
@@ -3008,8 +3008,8 @@
           <a:cs typeface="+mn-cs"/>
         </a:defRPr>
       </a:lvl2pPr>
-      <a:lvl3pPr marL="685800" algn="l" defTabSz="342900" rtl="0" eaLnBrk="1" latinLnBrk="0" hangingPunct="1">
-        <a:defRPr sz="1350" kern="1200">
+      <a:lvl3pPr algn="l" defTabSz="342900" eaLnBrk="1" hangingPunct="1" latinLnBrk="0" marL="685800" rtl="0">
+        <a:defRPr kern="1200" sz="1350">
           <a:solidFill>
             <a:schemeClr val="tx1"/>
           </a:solidFill>
@@ -3018,8 +3018,8 @@
           <a:cs typeface="+mn-cs"/>
         </a:defRPr>
       </a:lvl3pPr>
-      <a:lvl4pPr marL="1028700" algn="l" defTabSz="342900" rtl="0" eaLnBrk="1" latinLnBrk="0" hangingPunct="1">
-        <a:defRPr sz="1350" kern="1200">
+      <a:lvl4pPr algn="l" defTabSz="342900" eaLnBrk="1" hangingPunct="1" latinLnBrk="0" marL="1028700" rtl="0">
+        <a:defRPr kern="1200" sz="1350">
           <a:solidFill>
             <a:schemeClr val="tx1"/>
           </a:solidFill>
@@ -3028,8 +3028,8 @@
           <a:cs typeface="+mn-cs"/>
         </a:defRPr>
       </a:lvl4pPr>
-      <a:lvl5pPr marL="1371600" algn="l" defTabSz="342900" rtl="0" eaLnBrk="1" latinLnBrk="0" hangingPunct="1">
-        <a:defRPr sz="1350" kern="1200">
+      <a:lvl5pPr algn="l" defTabSz="342900" eaLnBrk="1" hangingPunct="1" latinLnBrk="0" marL="1371600" rtl="0">
+        <a:defRPr kern="1200" sz="1350">
           <a:solidFill>
             <a:schemeClr val="tx1"/>
           </a:solidFill>
@@ -3038,8 +3038,8 @@
           <a:cs typeface="+mn-cs"/>
         </a:defRPr>
       </a:lvl5pPr>
-      <a:lvl6pPr marL="1714500" algn="l" defTabSz="342900" rtl="0" eaLnBrk="1" latinLnBrk="0" hangingPunct="1">
-        <a:defRPr sz="1350" kern="1200">
+      <a:lvl6pPr algn="l" defTabSz="342900" eaLnBrk="1" hangingPunct="1" latinLnBrk="0" marL="1714500" rtl="0">
+        <a:defRPr kern="1200" sz="1350">
           <a:solidFill>
             <a:schemeClr val="tx1"/>
           </a:solidFill>
@@ -3048,8 +3048,8 @@
           <a:cs typeface="+mn-cs"/>
         </a:defRPr>
       </a:lvl6pPr>
-      <a:lvl7pPr marL="2057400" algn="l" defTabSz="342900" rtl="0" eaLnBrk="1" latinLnBrk="0" hangingPunct="1">
-        <a:defRPr sz="1350" kern="1200">
+      <a:lvl7pPr algn="l" defTabSz="342900" eaLnBrk="1" hangingPunct="1" latinLnBrk="0" marL="2057400" rtl="0">
+        <a:defRPr kern="1200" sz="1350">
           <a:solidFill>
             <a:schemeClr val="tx1"/>
           </a:solidFill>
@@ -3058,8 +3058,8 @@
           <a:cs typeface="+mn-cs"/>
         </a:defRPr>
       </a:lvl7pPr>
-      <a:lvl8pPr marL="2400300" algn="l" defTabSz="342900" rtl="0" eaLnBrk="1" latinLnBrk="0" hangingPunct="1">
-        <a:defRPr sz="1350" kern="1200">
+      <a:lvl8pPr algn="l" defTabSz="342900" eaLnBrk="1" hangingPunct="1" latinLnBrk="0" marL="2400300" rtl="0">
+        <a:defRPr kern="1200" sz="1350">
           <a:solidFill>
             <a:schemeClr val="tx1"/>
           </a:solidFill>
@@ -3068,8 +3068,8 @@
           <a:cs typeface="+mn-cs"/>
         </a:defRPr>
       </a:lvl8pPr>
-      <a:lvl9pPr marL="2743200" algn="l" defTabSz="342900" rtl="0" eaLnBrk="1" latinLnBrk="0" hangingPunct="1">
-        <a:defRPr sz="1350" kern="1200">
+      <a:lvl9pPr algn="l" defTabSz="342900" eaLnBrk="1" hangingPunct="1" latinLnBrk="0" marL="2743200" rtl="0">
+        <a:defRPr kern="1200" sz="1350">
           <a:solidFill>
             <a:schemeClr val="tx1"/>
           </a:solidFill>
@@ -3120,14 +3120,13 @@
           <a:bodyPr/>
           <a:lstStyle/>
           <a:p>
-            <a:pPr marL="0" lvl="0" indent="0">
+            <a:pPr lvl="0" indent="0" marL="0">
               <a:buNone/>
             </a:pPr>
             <a:r>
-              <a:rPr lang="en-GB" dirty="0"/>
-              <a:t>CE103 - Algorithms And Programming I</a:t>
-            </a:r>
-            <a:endParaRPr lang="tr-TR" dirty="0"/>
+              <a:rPr/>
+              <a:t>Örnek Ders Adı</a:t>
+            </a:r>
           </a:p>
         </p:txBody>
       </p:sp>
@@ -3138,7 +3137,7 @@
             <a:spLocks noGrp="1"/>
           </p:cNvSpPr>
           <p:nvPr>
-            <p:ph type="subTitle" idx="1"/>
+            <p:ph idx="1" type="subTitle"/>
           </p:nvPr>
         </p:nvSpPr>
         <p:spPr>
@@ -3151,15 +3150,17 @@
           <a:bodyPr/>
           <a:lstStyle/>
           <a:p>
-            <a:pPr marL="0" lvl="0" indent="0">
+            <a:pPr lvl="0" indent="0" marL="0">
               <a:buNone/>
             </a:pPr>
             <a:r>
+              <a:rPr/>
               <a:t>Örnek Ders Modülü Adı</a:t>
             </a:r>
             <a:br/>
             <a:br/>
             <a:r>
+              <a:rPr/>
               <a:t>Yazar: Dr. Öğr. Üyesi Uğur CORUH</a:t>
             </a:r>
           </a:p>
@@ -3172,26 +3173,26 @@
             <a:spLocks noGrp="1"/>
           </p:cNvSpPr>
           <p:nvPr>
-            <p:ph type="dt" sz="half" idx="10"/>
-          </p:nvPr>
-        </p:nvSpPr>
-        <p:spPr/>
-        <p:txBody>
-          <a:bodyPr/>
-          <a:lstStyle/>
-          <a:p>
-            <a:pPr marL="0" lvl="0" indent="0">
+            <p:ph idx="10" sz="half" type="dt"/>
+          </p:nvPr>
+        </p:nvSpPr>
+        <p:spPr/>
+        <p:txBody>
+          <a:bodyPr/>
+          <a:lstStyle/>
+          <a:p>
+            <a:pPr lvl="0" indent="0" marL="0">
               <a:buNone/>
             </a:pPr>
-            <a:endParaRPr/>
+            <a:r>
+              <a:rPr/>
+              <a:t/>
+            </a:r>
           </a:p>
         </p:txBody>
       </p:sp>
     </p:spTree>
   </p:cSld>
-  <p:clrMapOvr>
-    <a:masterClrMapping/>
-  </p:clrMapOvr>
 </p:sld>
 </file>
 
@@ -3227,10 +3228,11 @@
           <a:bodyPr/>
           <a:lstStyle/>
           <a:p>
-            <a:pPr marL="0" lvl="0" indent="0">
+            <a:pPr lvl="0" indent="0" marL="0">
               <a:buNone/>
             </a:pPr>
             <a:r>
+              <a:rPr/>
               <a:t>Referanslar</a:t>
             </a:r>
           </a:p>
@@ -3253,24 +3255,28 @@
           <a:p>
             <a:pPr lvl="0"/>
             <a:r>
+              <a:rPr/>
               <a:t>https://app.patika.dev/courses/veri-yapilari-ve-algoritmalar/algoritma-nedir</a:t>
             </a:r>
           </a:p>
           <a:p>
             <a:pPr lvl="0"/>
             <a:r>
+              <a:rPr/>
               <a:t>https://app.patika.dev/courses/veri-yapilari-ve-algoritmalar/bilgi-ifade</a:t>
             </a:r>
           </a:p>
           <a:p>
             <a:pPr lvl="0"/>
             <a:r>
+              <a:rPr/>
               <a:t>https://app.patika.dev/courses/veri-yapilari-ve-algoritmalar/sayi-sistem</a:t>
             </a:r>
           </a:p>
           <a:p>
             <a:pPr lvl="0"/>
             <a:r>
+              <a:rPr/>
               <a:t>https://app.patika.dev/courses/veri-yapilari-ve-algoritmalar/linked-list</a:t>
             </a:r>
           </a:p>
@@ -3278,9 +3284,6 @@
       </p:sp>
     </p:spTree>
   </p:cSld>
-  <p:clrMapOvr>
-    <a:masterClrMapping/>
-  </p:clrMapOvr>
 </p:sld>
 </file>
 
@@ -3301,60 +3304,76 @@
           <a:chExt cx="0" cy="0"/>
         </a:xfrm>
       </p:grpSpPr>
-      <p:sp>
-        <p:nvSpPr>
-          <p:cNvPr id="3" name="Content Placeholder 2"/>
-          <p:cNvSpPr>
-            <a:spLocks noGrp="1"/>
-          </p:cNvSpPr>
-          <p:nvPr>
-            <p:ph idx="1"/>
-          </p:nvPr>
-        </p:nvSpPr>
-        <p:spPr/>
-        <p:txBody>
-          <a:bodyPr/>
-          <a:lstStyle/>
-          <a:p>
-            <a:pPr marL="0" lvl="0" indent="0">
-              <a:buNone/>
-            </a:pPr>
-            <a14:m xmlns:a14="http://schemas.microsoft.com/office/drawing/2010/main">
-              <m:oMathPara xmlns:m="http://schemas.openxmlformats.org/officeDocument/2006/math">
-                <m:oMathParaPr>
-                  <m:jc m:val="centerGroup"/>
-                </m:oMathParaPr>
-                <m:oMath xmlns:m="http://schemas.openxmlformats.org/officeDocument/2006/math">
-                  <m:r>
-                    <a:rPr>
-                      <a:latin typeface="Cambria Math" panose="02040503050406030204" pitchFamily="18" charset="0"/>
-                    </a:rPr>
-                    <m:t>𝐻𝑎𝑓𝑡𝑎</m:t>
-                  </m:r>
-                  <m:r>
-                    <a:rPr>
-                      <a:latin typeface="Cambria Math" panose="02040503050406030204" pitchFamily="18" charset="0"/>
-                    </a:rPr>
-                    <m:t>−2−</m:t>
-                  </m:r>
-                  <m:r>
-                    <a:rPr>
-                      <a:latin typeface="Cambria Math" panose="02040503050406030204" pitchFamily="18" charset="0"/>
-                    </a:rPr>
-                    <m:t>𝑆𝑜𝑛</m:t>
-                  </m:r>
-                </m:oMath>
-              </m:oMathPara>
-            </a14:m>
-            <a:endParaRPr/>
-          </a:p>
-        </p:txBody>
-      </p:sp>
+      <mc:AlternateContent xmlns:mc="http://schemas.openxmlformats.org/markup-compatibility/2006">
+        <mc:Choice xmlns:a14="http://schemas.microsoft.com/office/drawing/2010/main" Requires="a14">
+          <p:sp>
+            <p:nvSpPr>
+              <p:cNvPr id="3" name="Content Placeholder 2"/>
+              <p:cNvSpPr>
+                <a:spLocks noGrp="1"/>
+              </p:cNvSpPr>
+              <p:nvPr>
+                <p:ph idx="1"/>
+              </p:nvPr>
+            </p:nvSpPr>
+            <p:spPr/>
+            <p:txBody>
+              <a:bodyPr/>
+              <a:lstStyle/>
+              <a:p>
+                <a:pPr lvl="0" indent="0" marL="0">
+                  <a:buNone/>
+                </a:pPr>
+                <a14:m>
+                  <m:oMath xmlns:m="http://schemas.openxmlformats.org/officeDocument/2006/math">
+                    <m:r>
+                      <m:t>H</m:t>
+                    </m:r>
+                    <m:r>
+                      <m:t>a</m:t>
+                    </m:r>
+                    <m:r>
+                      <m:t>f</m:t>
+                    </m:r>
+                    <m:r>
+                      <m:t>t</m:t>
+                    </m:r>
+                    <m:r>
+                      <m:t>a</m:t>
+                    </m:r>
+                    <m:r>
+                      <m:rPr>
+                        <m:sty m:val="p"/>
+                      </m:rPr>
+                      <m:t>−</m:t>
+                    </m:r>
+                    <m:r>
+                      <m:t>2</m:t>
+                    </m:r>
+                    <m:r>
+                      <m:rPr>
+                        <m:sty m:val="p"/>
+                      </m:rPr>
+                      <m:t>−</m:t>
+                    </m:r>
+                    <m:r>
+                      <m:t>S</m:t>
+                    </m:r>
+                    <m:r>
+                      <m:t>o</m:t>
+                    </m:r>
+                    <m:r>
+                      <m:t>n</m:t>
+                    </m:r>
+                  </m:oMath>
+                </a14:m>
+              </a:p>
+            </p:txBody>
+          </p:sp>
+        </mc:Choice>
+      </mc:AlternateContent>
     </p:spTree>
   </p:cSld>
-  <p:clrMapOvr>
-    <a:masterClrMapping/>
-  </p:clrMapOvr>
 </p:sld>
 </file>
 
@@ -3390,10 +3409,11 @@
           <a:bodyPr/>
           <a:lstStyle/>
           <a:p>
-            <a:pPr marL="0" lvl="0" indent="0">
+            <a:pPr lvl="0" indent="0" marL="0">
               <a:buNone/>
             </a:pPr>
             <a:r>
+              <a:rPr/>
               <a:t>Örnek Ders Adı</a:t>
             </a:r>
           </a:p>
@@ -3414,7 +3434,7 @@
           <a:bodyPr/>
           <a:lstStyle/>
           <a:p>
-            <a:pPr marL="0" lvl="0" indent="0">
+            <a:pPr lvl="0" indent="0" marL="0">
               <a:spcBef>
                 <a:spcPts val="3000"/>
               </a:spcBef>
@@ -3426,7 +3446,7 @@
             </a:r>
           </a:p>
           <a:p>
-            <a:pPr marL="0" lvl="0" indent="0">
+            <a:pPr lvl="0" indent="0" marL="0">
               <a:spcBef>
                 <a:spcPts val="3000"/>
               </a:spcBef>
@@ -3438,10 +3458,11 @@
             </a:r>
           </a:p>
           <a:p>
-            <a:pPr marL="0" lvl="0" indent="0">
+            <a:pPr lvl="0" indent="0" marL="0">
               <a:buNone/>
             </a:pPr>
             <a:r>
+              <a:rPr/>
               <a:t>İndir </a:t>
             </a:r>
             <a:r>
@@ -3451,6 +3472,7 @@
               <a:t>DOC</a:t>
             </a:r>
             <a:r>
+              <a:rPr/>
               <a:t>, </a:t>
             </a:r>
             <a:r>
@@ -3460,6 +3482,7 @@
               <a:t>SLIDE</a:t>
             </a:r>
             <a:r>
+              <a:rPr/>
               <a:t>, </a:t>
             </a:r>
             <a:r>
@@ -3473,9 +3496,6 @@
       </p:sp>
     </p:spTree>
   </p:cSld>
-  <p:clrMapOvr>
-    <a:masterClrMapping/>
-  </p:clrMapOvr>
 </p:sld>
 </file>
 
@@ -3511,7 +3531,7 @@
           <a:bodyPr/>
           <a:lstStyle/>
           <a:p>
-            <a:pPr marL="0" lvl="0" indent="0">
+            <a:pPr lvl="0" indent="0" marL="0">
               <a:spcBef>
                 <a:spcPts val="3000"/>
               </a:spcBef>
@@ -3525,24 +3545,28 @@
           <a:p>
             <a:pPr lvl="0"/>
             <a:r>
+              <a:rPr/>
               <a:t>Algoritma Nedir?</a:t>
             </a:r>
           </a:p>
           <a:p>
             <a:pPr lvl="0"/>
             <a:r>
+              <a:rPr/>
               <a:t>Bilgilerin Bilgisayarda İfadesi</a:t>
             </a:r>
           </a:p>
           <a:p>
             <a:pPr lvl="0"/>
             <a:r>
+              <a:rPr/>
               <a:t>Diziler</a:t>
             </a:r>
           </a:p>
           <a:p>
             <a:pPr lvl="0"/>
             <a:r>
+              <a:rPr/>
               <a:t>Bağlı listeler</a:t>
             </a:r>
           </a:p>
@@ -3550,9 +3574,6 @@
       </p:sp>
     </p:spTree>
   </p:cSld>
-  <p:clrMapOvr>
-    <a:masterClrMapping/>
-  </p:clrMapOvr>
 </p:sld>
 </file>
 
@@ -3583,64 +3604,23 @@
             <p:ph type="title"/>
           </p:nvPr>
         </p:nvSpPr>
-        <p:spPr>
-          <a:xfrm>
-            <a:off x="457200" y="205978"/>
-            <a:ext cx="8229600" cy="4731781"/>
-          </a:xfrm>
-        </p:spPr>
-        <p:txBody>
-          <a:bodyPr>
-            <a:normAutofit fontScale="90000"/>
-          </a:bodyPr>
-          <a:lstStyle/>
-          <a:p>
-            <a:pPr marL="0" lvl="0" indent="0">
+        <p:spPr/>
+        <p:txBody>
+          <a:bodyPr/>
+          <a:lstStyle/>
+          <a:p>
+            <a:pPr lvl="0" indent="0" marL="0">
               <a:buNone/>
             </a:pPr>
             <a:r>
-              <a:rPr b="1" dirty="0" err="1"/>
+              <a:rPr b="1"/>
               <a:t>Algoritma</a:t>
             </a:r>
-            <a:br>
-              <a:rPr lang="tr-TR" b="1" dirty="0"/>
-            </a:br>
-            <a:br>
-              <a:rPr lang="tr-TR" b="1" dirty="0"/>
-            </a:br>
-            <a:r>
-              <a:rPr lang="tr-TR" sz="3600" b="1" dirty="0"/>
-              <a:t>Algoritma Nedir?</a:t>
-            </a:r>
-            <a:r>
-              <a:rPr lang="tr-TR" sz="3600" dirty="0"/>
-              <a:t> Algoritma, Cebrin atası ve kurucusu olarak bilinen Harezmî tarafından 9.yüzyılda cebir alanındaki araştırmaları neticesinde ortaya çıkmıştır. Avrupalılar, Harezmî ismini telaffuz edemediklerinden dolayı </a:t>
-            </a:r>
-            <a:r>
-              <a:rPr lang="tr-TR" sz="3600" dirty="0" err="1"/>
-              <a:t>algorizm</a:t>
-            </a:r>
-            <a:r>
-              <a:rPr lang="tr-TR" sz="3600" dirty="0"/>
-              <a:t> (Arap sayıları kullanarak aritmetik problemler çözme kuralları) olarak kullandılar. </a:t>
-            </a:r>
-            <a:r>
-              <a:rPr lang="tr-TR" sz="3600" dirty="0" err="1"/>
-              <a:t>Algorizm</a:t>
-            </a:r>
-            <a:r>
-              <a:rPr lang="tr-TR" sz="3600" dirty="0"/>
-              <a:t> daha sonra “algoritma” adını aldı</a:t>
-            </a:r>
-            <a:endParaRPr b="1" dirty="0"/>
           </a:p>
         </p:txBody>
       </p:sp>
     </p:spTree>
   </p:cSld>
-  <p:clrMapOvr>
-    <a:masterClrMapping/>
-  </p:clrMapOvr>
 </p:sld>
 </file>
 
@@ -3668,713 +3648,83 @@
             <a:spLocks noGrp="1"/>
           </p:cNvSpPr>
           <p:nvPr>
-            <p:ph type="body" sz="half" idx="2"/>
-          </p:nvPr>
-        </p:nvSpPr>
-        <p:spPr>
-          <a:xfrm>
-            <a:off x="347473" y="390843"/>
-            <a:ext cx="3008313" cy="4361814"/>
-          </a:xfrm>
-        </p:spPr>
-        <p:txBody>
-          <a:bodyPr>
-            <a:noAutofit/>
-          </a:bodyPr>
-          <a:lstStyle/>
-          <a:p>
-            <a:pPr marL="0" lvl="0" indent="0">
+            <p:ph idx="2" sz="half" type="body"/>
+          </p:nvPr>
+        </p:nvSpPr>
+        <p:spPr/>
+        <p:txBody>
+          <a:bodyPr/>
+          <a:lstStyle/>
+          <a:p>
+            <a:pPr lvl="0" indent="0" marL="0">
               <a:spcBef>
                 <a:spcPts val="3000"/>
               </a:spcBef>
               <a:buNone/>
             </a:pPr>
             <a:r>
-              <a:rPr sz="1200" b="1" dirty="0" err="1"/>
+              <a:rPr b="1"/>
               <a:t>Algoritma</a:t>
             </a:r>
-            <a:endParaRPr sz="1200" b="1" dirty="0"/>
           </a:p>
           <a:p>
             <a:pPr lvl="0"/>
             <a:r>
-              <a:rPr sz="1200" b="1" dirty="0" err="1"/>
-              <a:t>Algoritma</a:t>
-            </a:r>
-            <a:r>
-              <a:rPr sz="1200" b="1" dirty="0"/>
-              <a:t> </a:t>
-            </a:r>
-            <a:r>
-              <a:rPr sz="1200" b="1" dirty="0" err="1"/>
-              <a:t>Nedir</a:t>
-            </a:r>
-            <a:r>
-              <a:rPr sz="1200" b="1" dirty="0"/>
-              <a:t>?</a:t>
-            </a:r>
-            <a:r>
-              <a:rPr sz="1200" dirty="0"/>
-              <a:t> </a:t>
-            </a:r>
-            <a:r>
-              <a:rPr sz="1200" dirty="0" err="1"/>
-              <a:t>Gördüğünüz</a:t>
-            </a:r>
-            <a:r>
-              <a:rPr sz="1200" dirty="0"/>
-              <a:t> </a:t>
-            </a:r>
-            <a:r>
-              <a:rPr sz="1200" dirty="0" err="1"/>
-              <a:t>üzere</a:t>
-            </a:r>
-            <a:r>
-              <a:rPr sz="1200" dirty="0"/>
-              <a:t> ana </a:t>
-            </a:r>
-            <a:r>
-              <a:rPr sz="1200" dirty="0" err="1"/>
-              <a:t>problemimiz</a:t>
-            </a:r>
-            <a:r>
-              <a:rPr sz="1200" dirty="0"/>
-              <a:t> </a:t>
-            </a:r>
-            <a:r>
-              <a:rPr sz="1200" dirty="0" err="1"/>
-              <a:t>bilgisayarın</a:t>
-            </a:r>
-            <a:r>
-              <a:rPr sz="1200" dirty="0"/>
-              <a:t> </a:t>
-            </a:r>
-            <a:r>
-              <a:rPr sz="1200" dirty="0" err="1"/>
-              <a:t>çalışmaması</a:t>
-            </a:r>
-            <a:r>
-              <a:rPr sz="1200" dirty="0"/>
-              <a:t>. İlk </a:t>
-            </a:r>
-            <a:r>
-              <a:rPr sz="1200" dirty="0" err="1"/>
-              <a:t>adım</a:t>
-            </a:r>
-            <a:r>
-              <a:rPr sz="1200" dirty="0"/>
-              <a:t> </a:t>
-            </a:r>
-            <a:r>
-              <a:rPr sz="1200" dirty="0" err="1"/>
-              <a:t>güç</a:t>
-            </a:r>
-            <a:r>
-              <a:rPr sz="1200" dirty="0"/>
-              <a:t> </a:t>
-            </a:r>
-            <a:r>
-              <a:rPr sz="1200" dirty="0" err="1"/>
-              <a:t>kablosunun</a:t>
-            </a:r>
-            <a:r>
-              <a:rPr sz="1200" dirty="0"/>
-              <a:t> </a:t>
-            </a:r>
-            <a:r>
-              <a:rPr sz="1200" dirty="0" err="1"/>
-              <a:t>takılı</a:t>
-            </a:r>
-            <a:r>
-              <a:rPr sz="1200" dirty="0"/>
-              <a:t> </a:t>
-            </a:r>
-            <a:r>
-              <a:rPr sz="1200" dirty="0" err="1"/>
-              <a:t>olup</a:t>
-            </a:r>
-            <a:r>
-              <a:rPr sz="1200" dirty="0"/>
-              <a:t> </a:t>
-            </a:r>
-            <a:r>
-              <a:rPr sz="1200" dirty="0" err="1"/>
-              <a:t>olmadığını</a:t>
-            </a:r>
-            <a:r>
-              <a:rPr sz="1200" dirty="0"/>
-              <a:t> </a:t>
-            </a:r>
-            <a:r>
-              <a:rPr sz="1200" dirty="0" err="1"/>
-              <a:t>kontrol</a:t>
-            </a:r>
-            <a:r>
-              <a:rPr sz="1200" dirty="0"/>
-              <a:t> </a:t>
-            </a:r>
-            <a:r>
-              <a:rPr sz="1200" dirty="0" err="1"/>
-              <a:t>etmek</a:t>
-            </a:r>
-            <a:r>
-              <a:rPr sz="1200" dirty="0"/>
-              <a:t>. Bu </a:t>
-            </a:r>
-            <a:r>
-              <a:rPr sz="1200" dirty="0" err="1"/>
-              <a:t>adımın</a:t>
-            </a:r>
-            <a:r>
-              <a:rPr sz="1200" dirty="0"/>
-              <a:t> </a:t>
-            </a:r>
-            <a:r>
-              <a:rPr sz="1200" dirty="0" err="1"/>
-              <a:t>cevabı</a:t>
-            </a:r>
-            <a:r>
-              <a:rPr sz="1200" dirty="0"/>
-              <a:t> </a:t>
-            </a:r>
-            <a:r>
-              <a:rPr sz="1200" dirty="0" err="1"/>
-              <a:t>Hayır</a:t>
-            </a:r>
-            <a:r>
-              <a:rPr sz="1200" dirty="0"/>
-              <a:t> </a:t>
-            </a:r>
-            <a:r>
-              <a:rPr sz="1200" dirty="0" err="1"/>
-              <a:t>ise</a:t>
-            </a:r>
-            <a:r>
-              <a:rPr sz="1200" dirty="0"/>
-              <a:t> </a:t>
-            </a:r>
-            <a:r>
-              <a:rPr sz="1200" dirty="0" err="1"/>
-              <a:t>yapmamız</a:t>
-            </a:r>
-            <a:r>
-              <a:rPr sz="1200" dirty="0"/>
-              <a:t> </a:t>
-            </a:r>
-            <a:r>
-              <a:rPr sz="1200" dirty="0" err="1"/>
-              <a:t>gereken</a:t>
-            </a:r>
-            <a:r>
-              <a:rPr sz="1200" dirty="0"/>
-              <a:t> </a:t>
-            </a:r>
-            <a:r>
-              <a:rPr sz="1200" dirty="0" err="1"/>
-              <a:t>güç</a:t>
-            </a:r>
-            <a:r>
-              <a:rPr sz="1200" dirty="0"/>
-              <a:t> </a:t>
-            </a:r>
-            <a:r>
-              <a:rPr sz="1200" dirty="0" err="1"/>
-              <a:t>kablosunu</a:t>
-            </a:r>
-            <a:r>
-              <a:rPr sz="1200" dirty="0"/>
-              <a:t> </a:t>
-            </a:r>
-            <a:r>
-              <a:rPr sz="1200" dirty="0" err="1"/>
-              <a:t>takmaktır</a:t>
-            </a:r>
-            <a:r>
-              <a:rPr sz="1200" dirty="0"/>
-              <a:t>, </a:t>
-            </a:r>
-            <a:r>
-              <a:rPr sz="1200" dirty="0" err="1"/>
-              <a:t>cevap</a:t>
-            </a:r>
-            <a:r>
-              <a:rPr sz="1200" dirty="0"/>
-              <a:t> Evet </a:t>
-            </a:r>
-            <a:r>
-              <a:rPr sz="1200" dirty="0" err="1"/>
-              <a:t>ve</a:t>
-            </a:r>
-            <a:r>
-              <a:rPr sz="1200" dirty="0"/>
-              <a:t> </a:t>
-            </a:r>
-            <a:r>
-              <a:rPr sz="1200" dirty="0" err="1"/>
-              <a:t>hâlâ</a:t>
-            </a:r>
-            <a:r>
-              <a:rPr sz="1200" dirty="0"/>
-              <a:t> </a:t>
-            </a:r>
-            <a:r>
-              <a:rPr sz="1200" dirty="0" err="1"/>
-              <a:t>bilgisayarımız</a:t>
-            </a:r>
-            <a:r>
-              <a:rPr sz="1200" dirty="0"/>
-              <a:t> </a:t>
-            </a:r>
-            <a:r>
-              <a:rPr sz="1200" dirty="0" err="1"/>
-              <a:t>çalışmıyor</a:t>
-            </a:r>
-            <a:r>
-              <a:rPr sz="1200" dirty="0"/>
-              <a:t> </a:t>
-            </a:r>
-            <a:r>
-              <a:rPr sz="1200" dirty="0" err="1"/>
-              <a:t>ise</a:t>
-            </a:r>
-            <a:r>
-              <a:rPr sz="1200" dirty="0"/>
-              <a:t> </a:t>
-            </a:r>
-            <a:r>
-              <a:rPr sz="1200" dirty="0" err="1"/>
-              <a:t>bir</a:t>
-            </a:r>
-            <a:r>
-              <a:rPr sz="1200" dirty="0"/>
-              <a:t> </a:t>
-            </a:r>
-            <a:r>
-              <a:rPr sz="1200" dirty="0" err="1"/>
-              <a:t>sonraki</a:t>
-            </a:r>
-            <a:r>
-              <a:rPr sz="1200" dirty="0"/>
-              <a:t> </a:t>
-            </a:r>
-            <a:r>
-              <a:rPr sz="1200" dirty="0" err="1"/>
-              <a:t>adımı</a:t>
-            </a:r>
-            <a:r>
-              <a:rPr sz="1200" dirty="0"/>
-              <a:t> </a:t>
-            </a:r>
-            <a:r>
-              <a:rPr sz="1200" dirty="0" err="1"/>
-              <a:t>uygulamamız</a:t>
-            </a:r>
-            <a:r>
-              <a:rPr sz="1200" dirty="0"/>
-              <a:t> </a:t>
-            </a:r>
-            <a:r>
-              <a:rPr sz="1200" dirty="0" err="1"/>
-              <a:t>gerekiyor</a:t>
-            </a:r>
-            <a:r>
-              <a:rPr sz="1200" dirty="0"/>
-              <a:t>. </a:t>
-            </a:r>
-            <a:r>
-              <a:rPr sz="1200" dirty="0" err="1"/>
-              <a:t>İkinci</a:t>
-            </a:r>
-            <a:r>
-              <a:rPr sz="1200" dirty="0"/>
-              <a:t> </a:t>
-            </a:r>
-            <a:r>
-              <a:rPr sz="1200" dirty="0" err="1"/>
-              <a:t>adım</a:t>
-            </a:r>
-            <a:r>
-              <a:rPr sz="1200" dirty="0"/>
-              <a:t>, </a:t>
-            </a:r>
-            <a:r>
-              <a:rPr sz="1200" dirty="0" err="1"/>
-              <a:t>uzatma</a:t>
-            </a:r>
-            <a:r>
-              <a:rPr sz="1200" dirty="0"/>
-              <a:t> </a:t>
-            </a:r>
-            <a:r>
-              <a:rPr sz="1200" dirty="0" err="1"/>
-              <a:t>kablosunun</a:t>
-            </a:r>
-            <a:r>
-              <a:rPr sz="1200" dirty="0"/>
-              <a:t> </a:t>
-            </a:r>
-            <a:r>
-              <a:rPr sz="1200" dirty="0" err="1"/>
-              <a:t>durumunu</a:t>
-            </a:r>
-            <a:r>
-              <a:rPr sz="1200" dirty="0"/>
-              <a:t> </a:t>
-            </a:r>
-            <a:r>
-              <a:rPr sz="1200" dirty="0" err="1"/>
-              <a:t>inceledikten</a:t>
-            </a:r>
-            <a:r>
-              <a:rPr sz="1200" dirty="0"/>
-              <a:t> </a:t>
-            </a:r>
-            <a:r>
-              <a:rPr sz="1200" dirty="0" err="1"/>
-              <a:t>sonra</a:t>
-            </a:r>
-            <a:r>
-              <a:rPr sz="1200" dirty="0"/>
-              <a:t> </a:t>
-            </a:r>
-            <a:r>
-              <a:rPr sz="1200" dirty="0" err="1"/>
-              <a:t>eğer</a:t>
-            </a:r>
-            <a:r>
-              <a:rPr sz="1200" dirty="0"/>
-              <a:t> </a:t>
-            </a:r>
-            <a:r>
-              <a:rPr sz="1200" dirty="0" err="1"/>
-              <a:t>bilgisayarımız</a:t>
-            </a:r>
-            <a:r>
-              <a:rPr sz="1200" dirty="0"/>
-              <a:t> </a:t>
-            </a:r>
-            <a:r>
-              <a:rPr sz="1200" dirty="0" err="1"/>
-              <a:t>hâlâ</a:t>
-            </a:r>
-            <a:r>
-              <a:rPr sz="1200" dirty="0"/>
-              <a:t> </a:t>
-            </a:r>
-            <a:r>
-              <a:rPr sz="1200" dirty="0" err="1"/>
-              <a:t>çalışmıyor</a:t>
-            </a:r>
-            <a:r>
-              <a:rPr sz="1200" dirty="0"/>
-              <a:t> </a:t>
-            </a:r>
-            <a:r>
-              <a:rPr sz="1200" dirty="0" err="1"/>
-              <a:t>ise</a:t>
-            </a:r>
-            <a:r>
-              <a:rPr sz="1200" dirty="0"/>
-              <a:t> </a:t>
-            </a:r>
-            <a:r>
-              <a:rPr sz="1200" dirty="0" err="1"/>
-              <a:t>tamire</a:t>
-            </a:r>
-            <a:r>
-              <a:rPr sz="1200" dirty="0"/>
-              <a:t> </a:t>
-            </a:r>
-            <a:r>
-              <a:rPr sz="1200" dirty="0" err="1"/>
-              <a:t>götürmemiz</a:t>
-            </a:r>
-            <a:r>
-              <a:rPr sz="1200" dirty="0"/>
-              <a:t> </a:t>
-            </a:r>
-            <a:r>
-              <a:rPr sz="1200" dirty="0" err="1"/>
-              <a:t>gerektiği</a:t>
-            </a:r>
-            <a:r>
-              <a:rPr sz="1200" dirty="0"/>
-              <a:t> </a:t>
-            </a:r>
-            <a:r>
-              <a:rPr sz="1200" dirty="0" err="1"/>
-              <a:t>sonucunu</a:t>
-            </a:r>
-            <a:r>
-              <a:rPr sz="1200" dirty="0"/>
-              <a:t> </a:t>
-            </a:r>
-            <a:r>
-              <a:rPr sz="1200" dirty="0" err="1"/>
-              <a:t>veriyor</a:t>
-            </a:r>
-            <a:r>
-              <a:rPr sz="1200" dirty="0"/>
-              <a:t>. —</a:t>
-            </a:r>
-          </a:p>
-          <a:p>
-            <a:pPr marL="0" lvl="0" indent="0">
+              <a:rPr b="1"/>
+              <a:t>Algoritma Nedir?</a:t>
+            </a:r>
+            <a:r>
+              <a:rPr/>
+              <a:t> Algoritma, Cebrin atası ve kurucusu olarak bilinen Harezmî tarafından 9.yüzyılda cebir alanındaki araştırmaları neticesinde ortaya çıkmıştır. Avrupalılar, Harezmî ismini telaffuz edemediklerinden dolayı algorizm (Arap sayıları kullanarak aritmetik problemler çözme kuralları) olarak kullandılar. Algorizm daha sonra “algoritma” adını aldı. center h:300px —</a:t>
+            </a:r>
+          </a:p>
+          <a:p>
+            <a:pPr lvl="0" indent="0" marL="0">
               <a:spcBef>
                 <a:spcPts val="3000"/>
               </a:spcBef>
               <a:buNone/>
             </a:pPr>
             <a:r>
-              <a:rPr sz="1200" b="1" dirty="0" err="1"/>
-              <a:t>Bilgilerin</a:t>
-            </a:r>
-            <a:r>
-              <a:rPr sz="1200" b="1" dirty="0"/>
-              <a:t> </a:t>
-            </a:r>
-            <a:r>
-              <a:rPr sz="1200" b="1" dirty="0" err="1"/>
-              <a:t>Bilgisayarda</a:t>
-            </a:r>
-            <a:r>
-              <a:rPr sz="1200" b="1" dirty="0"/>
-              <a:t> </a:t>
-            </a:r>
-            <a:r>
-              <a:rPr sz="1200" b="1" dirty="0" err="1"/>
-              <a:t>İfadesi</a:t>
-            </a:r>
-            <a:endParaRPr sz="1200" b="1" dirty="0"/>
+              <a:rPr b="1"/>
+              <a:t>Algoritma</a:t>
+            </a:r>
           </a:p>
           <a:p>
             <a:pPr lvl="0"/>
             <a:r>
-              <a:rPr sz="1200" dirty="0"/>
-              <a:t>Bir </a:t>
-            </a:r>
-            <a:r>
-              <a:rPr sz="1200" dirty="0" err="1"/>
-              <a:t>insan</a:t>
-            </a:r>
-            <a:r>
-              <a:rPr sz="1200" dirty="0"/>
-              <a:t> </a:t>
-            </a:r>
-            <a:r>
-              <a:rPr sz="1200" dirty="0" err="1"/>
-              <a:t>kendini</a:t>
-            </a:r>
-            <a:r>
-              <a:rPr sz="1200" dirty="0"/>
-              <a:t> </a:t>
-            </a:r>
-            <a:r>
-              <a:rPr sz="1200" dirty="0" err="1"/>
-              <a:t>ifade</a:t>
-            </a:r>
-            <a:r>
-              <a:rPr sz="1200" dirty="0"/>
-              <a:t> </a:t>
-            </a:r>
-            <a:r>
-              <a:rPr sz="1200" dirty="0" err="1"/>
-              <a:t>etmek</a:t>
-            </a:r>
-            <a:r>
-              <a:rPr sz="1200" dirty="0"/>
-              <a:t> </a:t>
-            </a:r>
-            <a:r>
-              <a:rPr sz="1200" dirty="0" err="1"/>
-              <a:t>istediğinde</a:t>
-            </a:r>
-            <a:r>
-              <a:rPr sz="1200" dirty="0"/>
-              <a:t> native (ana) </a:t>
-            </a:r>
-            <a:r>
-              <a:rPr sz="1200" dirty="0" err="1"/>
-              <a:t>bir</a:t>
-            </a:r>
-            <a:r>
-              <a:rPr sz="1200" dirty="0"/>
-              <a:t> </a:t>
-            </a:r>
-            <a:r>
-              <a:rPr sz="1200" dirty="0" err="1"/>
-              <a:t>dil</a:t>
-            </a:r>
-            <a:r>
-              <a:rPr sz="1200" dirty="0"/>
-              <a:t> </a:t>
-            </a:r>
-            <a:r>
-              <a:rPr sz="1200" dirty="0" err="1"/>
-              <a:t>kullanıyor</a:t>
-            </a:r>
-            <a:r>
-              <a:rPr sz="1200" dirty="0"/>
-              <a:t> </a:t>
-            </a:r>
-            <a:r>
-              <a:rPr sz="1200" dirty="0" err="1"/>
-              <a:t>öyle</a:t>
-            </a:r>
-            <a:r>
-              <a:rPr sz="1200" dirty="0"/>
-              <a:t> </a:t>
-            </a:r>
-            <a:r>
-              <a:rPr sz="1200" dirty="0" err="1"/>
-              <a:t>değil</a:t>
-            </a:r>
-            <a:r>
-              <a:rPr sz="1200" dirty="0"/>
-              <a:t> mi? </a:t>
-            </a:r>
-            <a:r>
-              <a:rPr sz="1200" dirty="0" err="1"/>
-              <a:t>Bilgisayar</a:t>
-            </a:r>
-            <a:r>
-              <a:rPr sz="1200" dirty="0"/>
-              <a:t> da </a:t>
-            </a:r>
-            <a:r>
-              <a:rPr sz="1200" dirty="0" err="1"/>
-              <a:t>bilgiyi</a:t>
-            </a:r>
-            <a:r>
-              <a:rPr sz="1200" dirty="0"/>
-              <a:t> (</a:t>
-            </a:r>
-            <a:r>
-              <a:rPr sz="1200" dirty="0" err="1"/>
-              <a:t>Resim</a:t>
-            </a:r>
-            <a:r>
-              <a:rPr sz="1200" dirty="0"/>
-              <a:t>, </a:t>
-            </a:r>
-            <a:r>
-              <a:rPr sz="1200" dirty="0" err="1"/>
-              <a:t>ses</a:t>
-            </a:r>
-            <a:r>
-              <a:rPr sz="1200" dirty="0"/>
-              <a:t>, </a:t>
-            </a:r>
-            <a:r>
-              <a:rPr sz="1200" dirty="0" err="1"/>
-              <a:t>yazı</a:t>
-            </a:r>
-            <a:r>
-              <a:rPr sz="1200" dirty="0"/>
-              <a:t> </a:t>
-            </a:r>
-            <a:r>
-              <a:rPr sz="1200" dirty="0" err="1"/>
-              <a:t>vb</a:t>
-            </a:r>
-            <a:r>
-              <a:rPr sz="1200" dirty="0"/>
-              <a:t>) </a:t>
-            </a:r>
-            <a:r>
-              <a:rPr sz="1200" dirty="0" err="1"/>
-              <a:t>ifade</a:t>
-            </a:r>
-            <a:r>
-              <a:rPr sz="1200" dirty="0"/>
-              <a:t> </a:t>
-            </a:r>
-            <a:r>
-              <a:rPr sz="1200" dirty="0" err="1"/>
-              <a:t>etmek</a:t>
-            </a:r>
-            <a:r>
-              <a:rPr sz="1200" dirty="0"/>
-              <a:t> </a:t>
-            </a:r>
-            <a:r>
-              <a:rPr sz="1200" dirty="0" err="1"/>
-              <a:t>ve</a:t>
-            </a:r>
-            <a:r>
-              <a:rPr sz="1200" dirty="0"/>
-              <a:t> </a:t>
-            </a:r>
-            <a:r>
-              <a:rPr sz="1200" dirty="0" err="1"/>
-              <a:t>döngüyü</a:t>
-            </a:r>
-            <a:r>
-              <a:rPr sz="1200" dirty="0"/>
-              <a:t> </a:t>
-            </a:r>
-            <a:r>
-              <a:rPr sz="1200" dirty="0" err="1"/>
-              <a:t>sağlamak</a:t>
-            </a:r>
-            <a:r>
-              <a:rPr sz="1200" dirty="0"/>
-              <a:t> </a:t>
-            </a:r>
-            <a:r>
-              <a:rPr sz="1200" dirty="0" err="1"/>
-              <a:t>için</a:t>
-            </a:r>
-            <a:r>
-              <a:rPr sz="1200" dirty="0"/>
-              <a:t> bit (0 </a:t>
-            </a:r>
-            <a:r>
-              <a:rPr sz="1200" dirty="0" err="1"/>
-              <a:t>ve</a:t>
-            </a:r>
-            <a:r>
-              <a:rPr sz="1200" dirty="0"/>
-              <a:t> 1)’ den </a:t>
-            </a:r>
-            <a:r>
-              <a:rPr sz="1200" dirty="0" err="1"/>
-              <a:t>oluşan</a:t>
-            </a:r>
-            <a:r>
-              <a:rPr sz="1200" dirty="0"/>
-              <a:t> </a:t>
-            </a:r>
-            <a:r>
-              <a:rPr sz="1200" dirty="0" err="1"/>
-              <a:t>ikili</a:t>
-            </a:r>
-            <a:r>
-              <a:rPr sz="1200" dirty="0"/>
-              <a:t> </a:t>
-            </a:r>
-            <a:r>
-              <a:rPr sz="1200" dirty="0" err="1"/>
-              <a:t>sayıları</a:t>
-            </a:r>
-            <a:r>
-              <a:rPr sz="1200" dirty="0"/>
-              <a:t> (Binary Numbers) </a:t>
-            </a:r>
-            <a:r>
-              <a:rPr sz="1200" dirty="0" err="1"/>
-              <a:t>kullanıyor</a:t>
-            </a:r>
-            <a:r>
-              <a:rPr sz="1200" dirty="0"/>
-              <a:t>.</a:t>
+              <a:rPr b="1"/>
+              <a:t>Algoritma Nedir?</a:t>
+            </a:r>
+            <a:r>
+              <a:rPr/>
+              <a:t> Gördüğünüz üzere ana problemimiz bilgisayarın çalışmaması. İlk adım güç kablosunun takılı olup olmadığını kontrol etmek. Bu adımın cevabı Hayır ise yapmamız gereken güç kablosunu takmaktır, cevap Evet ve hâlâ bilgisayarımız çalışmıyor ise bir sonraki adımı uygulamamız gerekiyor. İkinci adım, uzatma kablosunun durumunu inceledikten sonra eğer bilgisayarımız hâlâ çalışmıyor ise tamire götürmemiz gerektiği sonucunu veriyor. —</a:t>
+            </a:r>
+          </a:p>
+          <a:p>
+            <a:pPr lvl="0" indent="0" marL="0">
+              <a:spcBef>
+                <a:spcPts val="3000"/>
+              </a:spcBef>
+              <a:buNone/>
+            </a:pPr>
+            <a:r>
+              <a:rPr b="1"/>
+              <a:t>Bilgilerin Bilgisayarda İfadesi</a:t>
+            </a:r>
+          </a:p>
+          <a:p>
+            <a:pPr lvl="0"/>
+            <a:r>
+              <a:rPr/>
+              <a:t>Bir insan kendini ifade etmek istediğinde native (ana) bir dil kullanıyor öyle değil mi? Bilgisayar da bilgiyi (Resim, ses, yazı vb) ifade etmek ve döngüyü sağlamak için bit (0 ve 1)’ den oluşan ikili sayıları (Binary Numbers) kullanıyor.</a:t>
             </a:r>
           </a:p>
         </p:txBody>
       </p:sp>
       <p:pic>
         <p:nvPicPr>
-          <p:cNvPr id="2" name="Picture 1" descr="fig:  assets/Binary.jpg"/>
+          <p:cNvPr descr="fig:  assets/Binary.jpg" id="0" name="Picture 1"/>
           <p:cNvPicPr>
             <a:picLocks noGrp="1" noChangeAspect="1"/>
           </p:cNvPicPr>
@@ -4404,7 +3754,7 @@
       </p:pic>
       <p:sp>
         <p:nvSpPr>
-          <p:cNvPr id="3" name="TextBox 3"/>
+          <p:cNvPr id="1" name="TextBox 3"/>
           <p:cNvSpPr txBox="1"/>
           <p:nvPr/>
         </p:nvSpPr>
@@ -4422,18 +3772,18 @@
           <a:bodyPr/>
           <a:lstStyle/>
           <a:p>
-            <a:pPr marL="0" lvl="0" indent="0" algn="ctr">
+            <a:pPr lvl="0" indent="0" marL="0" algn="ctr">
               <a:buNone/>
             </a:pPr>
-            <a:endParaRPr dirty="0"/>
+            <a:r>
+              <a:rPr/>
+              <a:t>bg right:50% h:300px</a:t>
+            </a:r>
           </a:p>
         </p:txBody>
       </p:sp>
     </p:spTree>
   </p:cSld>
-  <p:clrMapOvr>
-    <a:masterClrMapping/>
-  </p:clrMapOvr>
 </p:sld>
 </file>
 
@@ -4469,7 +3819,7 @@
           <a:bodyPr/>
           <a:lstStyle/>
           <a:p>
-            <a:pPr marL="0" lvl="0" indent="0">
+            <a:pPr lvl="0" indent="0" marL="0">
               <a:spcBef>
                 <a:spcPts val="3000"/>
               </a:spcBef>
@@ -4483,6 +3833,7 @@
           <a:p>
             <a:pPr lvl="0"/>
             <a:r>
+              <a:rPr/>
               <a:t>İkili sayılarda bulunan 1 ve 0 rakamları (bit), bilgisayarın elektrik iletimi için kullandığı transistörlerin açık veya kapalı olma durumunu gösteriyor. Transistörlerde iki tane komut vardır, 0 (kapat) ve 1 (aç).</a:t>
             </a:r>
           </a:p>
@@ -4490,9 +3841,6 @@
       </p:sp>
     </p:spTree>
   </p:cSld>
-  <p:clrMapOvr>
-    <a:masterClrMapping/>
-  </p:clrMapOvr>
 </p:sld>
 </file>
 
@@ -4523,24 +3871,18 @@
             <p:ph type="title"/>
           </p:nvPr>
         </p:nvSpPr>
-        <p:spPr>
-          <a:xfrm>
-            <a:off x="457200" y="204694"/>
-            <a:ext cx="8229600" cy="857250"/>
-          </a:xfrm>
-        </p:spPr>
-        <p:txBody>
-          <a:bodyPr/>
-          <a:lstStyle/>
-          <a:p>
-            <a:pPr marL="0" lvl="0" indent="0">
+        <p:spPr/>
+        <p:txBody>
+          <a:bodyPr/>
+          <a:lstStyle/>
+          <a:p>
+            <a:pPr lvl="0" indent="0" marL="0">
               <a:buNone/>
             </a:pPr>
             <a:r>
-              <a:rPr dirty="0" err="1"/>
-              <a:t>Diziler</a:t>
-            </a:r>
-            <a:endParaRPr dirty="0"/>
+              <a:rPr/>
+              <a:t>### Diziler</a:t>
+            </a:r>
           </a:p>
         </p:txBody>
       </p:sp>
@@ -4554,637 +3896,23 @@
             <p:ph idx="1"/>
           </p:nvPr>
         </p:nvSpPr>
-        <p:spPr>
-          <a:xfrm>
-            <a:off x="457200" y="1061944"/>
-            <a:ext cx="8229600" cy="3394472"/>
-          </a:xfrm>
-        </p:spPr>
-        <p:txBody>
-          <a:bodyPr>
-            <a:normAutofit fontScale="92500" lnSpcReduction="10000"/>
-          </a:bodyPr>
-          <a:lstStyle/>
-          <a:p>
-            <a:pPr marL="0" lvl="0" indent="0">
+        <p:spPr/>
+        <p:txBody>
+          <a:bodyPr/>
+          <a:lstStyle/>
+          <a:p>
+            <a:pPr lvl="0" indent="0" marL="0">
               <a:buNone/>
             </a:pPr>
             <a:r>
-              <a:rPr dirty="0" err="1"/>
-              <a:t>Diziler</a:t>
-            </a:r>
-            <a:r>
-              <a:rPr dirty="0"/>
-              <a:t>, </a:t>
-            </a:r>
-            <a:r>
-              <a:rPr dirty="0" err="1"/>
-              <a:t>anlam</a:t>
-            </a:r>
-            <a:r>
-              <a:rPr dirty="0"/>
-              <a:t> </a:t>
-            </a:r>
-            <a:r>
-              <a:rPr dirty="0" err="1"/>
-              <a:t>ifade</a:t>
-            </a:r>
-            <a:r>
-              <a:rPr dirty="0"/>
-              <a:t> </a:t>
-            </a:r>
-            <a:r>
-              <a:rPr dirty="0" err="1"/>
-              <a:t>etmesi</a:t>
-            </a:r>
-            <a:r>
-              <a:rPr dirty="0"/>
-              <a:t> </a:t>
-            </a:r>
-            <a:r>
-              <a:rPr dirty="0" err="1"/>
-              <a:t>için</a:t>
-            </a:r>
-            <a:r>
-              <a:rPr dirty="0"/>
-              <a:t> </a:t>
-            </a:r>
-            <a:r>
-              <a:rPr dirty="0" err="1"/>
-              <a:t>birden</a:t>
-            </a:r>
-            <a:r>
-              <a:rPr dirty="0"/>
-              <a:t> </a:t>
-            </a:r>
-            <a:r>
-              <a:rPr dirty="0" err="1"/>
-              <a:t>fazla</a:t>
-            </a:r>
-            <a:r>
-              <a:rPr dirty="0"/>
-              <a:t> </a:t>
-            </a:r>
-            <a:r>
-              <a:rPr dirty="0" err="1"/>
-              <a:t>nesneye</a:t>
-            </a:r>
-            <a:r>
-              <a:rPr dirty="0"/>
-              <a:t> </a:t>
-            </a:r>
-            <a:r>
-              <a:rPr dirty="0" err="1"/>
-              <a:t>ihtiyaç</a:t>
-            </a:r>
-            <a:r>
-              <a:rPr dirty="0"/>
-              <a:t> </a:t>
-            </a:r>
-            <a:r>
-              <a:rPr dirty="0" err="1"/>
-              <a:t>duyabilir</a:t>
-            </a:r>
-            <a:r>
-              <a:rPr dirty="0"/>
-              <a:t>. </a:t>
-            </a:r>
-            <a:r>
-              <a:rPr dirty="0" err="1"/>
-              <a:t>Mesela</a:t>
-            </a:r>
-            <a:r>
-              <a:rPr dirty="0"/>
-              <a:t>, </a:t>
-            </a:r>
-            <a:r>
-              <a:rPr dirty="0" err="1"/>
-              <a:t>Şu</a:t>
-            </a:r>
-            <a:r>
-              <a:rPr dirty="0"/>
-              <a:t> an </a:t>
-            </a:r>
-            <a:r>
-              <a:rPr dirty="0" err="1"/>
-              <a:t>karşısında</a:t>
-            </a:r>
-            <a:r>
-              <a:rPr dirty="0"/>
-              <a:t> </a:t>
-            </a:r>
-            <a:r>
-              <a:rPr dirty="0" err="1"/>
-              <a:t>olduğunuz</a:t>
-            </a:r>
-            <a:r>
-              <a:rPr dirty="0"/>
-              <a:t> </a:t>
-            </a:r>
-            <a:r>
-              <a:rPr dirty="0" err="1"/>
-              <a:t>bilgisayar</a:t>
-            </a:r>
-            <a:r>
-              <a:rPr dirty="0"/>
-              <a:t> </a:t>
-            </a:r>
-            <a:r>
-              <a:rPr dirty="0" err="1"/>
-              <a:t>örneğini</a:t>
-            </a:r>
-            <a:r>
-              <a:rPr dirty="0"/>
-              <a:t> </a:t>
-            </a:r>
-            <a:r>
-              <a:rPr dirty="0" err="1"/>
-              <a:t>inceleyelim</a:t>
-            </a:r>
-            <a:r>
-              <a:rPr dirty="0"/>
-              <a:t>. </a:t>
-            </a:r>
-            <a:r>
-              <a:rPr dirty="0" err="1"/>
-              <a:t>Masaüstü</a:t>
-            </a:r>
-            <a:r>
-              <a:rPr dirty="0"/>
-              <a:t> </a:t>
-            </a:r>
-            <a:r>
-              <a:rPr dirty="0" err="1"/>
-              <a:t>bilgisayarlar</a:t>
-            </a:r>
-            <a:r>
-              <a:rPr dirty="0"/>
-              <a:t>, </a:t>
-            </a:r>
-            <a:r>
-              <a:rPr dirty="0" err="1"/>
-              <a:t>klavye</a:t>
-            </a:r>
-            <a:r>
-              <a:rPr dirty="0"/>
-              <a:t>-mouse-</a:t>
-            </a:r>
-            <a:r>
-              <a:rPr dirty="0" err="1"/>
-              <a:t>monitör</a:t>
-            </a:r>
-            <a:r>
-              <a:rPr dirty="0"/>
-              <a:t> </a:t>
-            </a:r>
-            <a:r>
-              <a:rPr dirty="0" err="1"/>
-              <a:t>üçlüsünü</a:t>
-            </a:r>
-            <a:r>
-              <a:rPr dirty="0"/>
-              <a:t> </a:t>
-            </a:r>
-            <a:r>
-              <a:rPr dirty="0" err="1"/>
-              <a:t>bir</a:t>
-            </a:r>
-            <a:r>
-              <a:rPr dirty="0"/>
-              <a:t> </a:t>
-            </a:r>
-            <a:r>
-              <a:rPr dirty="0" err="1"/>
-              <a:t>araya</a:t>
-            </a:r>
-            <a:r>
-              <a:rPr dirty="0"/>
-              <a:t> </a:t>
-            </a:r>
-            <a:r>
-              <a:rPr dirty="0" err="1"/>
-              <a:t>getirince</a:t>
-            </a:r>
-            <a:r>
-              <a:rPr dirty="0"/>
-              <a:t> </a:t>
-            </a:r>
-            <a:r>
-              <a:rPr dirty="0" err="1"/>
-              <a:t>anlam</a:t>
-            </a:r>
-            <a:r>
-              <a:rPr dirty="0"/>
-              <a:t> </a:t>
-            </a:r>
-            <a:r>
-              <a:rPr dirty="0" err="1"/>
-              <a:t>ifade</a:t>
-            </a:r>
-            <a:r>
-              <a:rPr dirty="0"/>
-              <a:t> </a:t>
-            </a:r>
-            <a:r>
-              <a:rPr dirty="0" err="1"/>
-              <a:t>eder</a:t>
-            </a:r>
-            <a:r>
-              <a:rPr dirty="0"/>
-              <a:t>. </a:t>
-            </a:r>
-            <a:r>
-              <a:rPr dirty="0" err="1"/>
-              <a:t>Herhangi</a:t>
-            </a:r>
-            <a:r>
-              <a:rPr dirty="0"/>
-              <a:t> </a:t>
-            </a:r>
-            <a:r>
-              <a:rPr dirty="0" err="1"/>
-              <a:t>biri</a:t>
-            </a:r>
-            <a:r>
-              <a:rPr dirty="0"/>
-              <a:t> </a:t>
-            </a:r>
-            <a:r>
-              <a:rPr dirty="0" err="1"/>
-              <a:t>olmadan</a:t>
-            </a:r>
-            <a:r>
-              <a:rPr dirty="0"/>
-              <a:t> </a:t>
-            </a:r>
-            <a:r>
-              <a:rPr dirty="0" err="1"/>
-              <a:t>bir</a:t>
-            </a:r>
-            <a:r>
-              <a:rPr dirty="0"/>
-              <a:t> </a:t>
-            </a:r>
-            <a:r>
-              <a:rPr dirty="0" err="1"/>
-              <a:t>işlem</a:t>
-            </a:r>
-            <a:r>
-              <a:rPr dirty="0"/>
-              <a:t> </a:t>
-            </a:r>
-            <a:r>
-              <a:rPr dirty="0" err="1"/>
-              <a:t>yapmanız</a:t>
-            </a:r>
-            <a:r>
-              <a:rPr dirty="0"/>
-              <a:t> </a:t>
-            </a:r>
-            <a:r>
-              <a:rPr dirty="0" err="1"/>
-              <a:t>olasıdır</a:t>
-            </a:r>
-            <a:r>
-              <a:rPr dirty="0"/>
-              <a:t> ama </a:t>
-            </a:r>
-            <a:r>
-              <a:rPr dirty="0" err="1"/>
-              <a:t>zorludur</a:t>
-            </a:r>
-            <a:r>
-              <a:rPr dirty="0"/>
-              <a:t>. Dizi, </a:t>
-            </a:r>
-            <a:r>
-              <a:rPr dirty="0" err="1"/>
-              <a:t>dezavantajlarından</a:t>
-            </a:r>
-            <a:r>
-              <a:rPr dirty="0"/>
-              <a:t> </a:t>
-            </a:r>
-            <a:r>
-              <a:rPr dirty="0" err="1"/>
-              <a:t>biri</a:t>
-            </a:r>
-            <a:r>
-              <a:rPr dirty="0"/>
-              <a:t> </a:t>
-            </a:r>
-            <a:r>
-              <a:rPr dirty="0" err="1"/>
-              <a:t>olan</a:t>
-            </a:r>
-            <a:r>
-              <a:rPr dirty="0"/>
-              <a:t> </a:t>
-            </a:r>
-            <a:r>
-              <a:rPr dirty="0" err="1"/>
-              <a:t>hafıza</a:t>
-            </a:r>
-            <a:r>
-              <a:rPr dirty="0"/>
-              <a:t> </a:t>
-            </a:r>
-            <a:r>
-              <a:rPr dirty="0" err="1"/>
-              <a:t>problemini</a:t>
-            </a:r>
-            <a:r>
-              <a:rPr dirty="0"/>
-              <a:t> </a:t>
-            </a:r>
-            <a:r>
-              <a:rPr dirty="0" err="1"/>
-              <a:t>inceleyelim</a:t>
-            </a:r>
-            <a:r>
-              <a:rPr dirty="0"/>
-              <a:t>. </a:t>
-            </a:r>
-            <a:r>
-              <a:rPr dirty="0" err="1"/>
-              <a:t>Bilgisayar</a:t>
-            </a:r>
-            <a:r>
-              <a:rPr dirty="0"/>
-              <a:t> </a:t>
-            </a:r>
-            <a:r>
-              <a:rPr dirty="0" err="1"/>
-              <a:t>örneğimizden</a:t>
-            </a:r>
-            <a:r>
-              <a:rPr dirty="0"/>
-              <a:t> </a:t>
-            </a:r>
-            <a:r>
-              <a:rPr dirty="0" err="1"/>
-              <a:t>devam</a:t>
-            </a:r>
-            <a:r>
-              <a:rPr dirty="0"/>
-              <a:t> </a:t>
-            </a:r>
-            <a:r>
-              <a:rPr dirty="0" err="1"/>
-              <a:t>edelim</a:t>
-            </a:r>
-            <a:r>
-              <a:rPr dirty="0"/>
-              <a:t>. Hali </a:t>
-            </a:r>
-            <a:r>
-              <a:rPr dirty="0" err="1"/>
-              <a:t>hazırda</a:t>
-            </a:r>
-            <a:r>
-              <a:rPr dirty="0"/>
-              <a:t> </a:t>
-            </a:r>
-            <a:r>
-              <a:rPr dirty="0" err="1"/>
-              <a:t>bir</a:t>
-            </a:r>
-            <a:r>
-              <a:rPr dirty="0"/>
-              <a:t> </a:t>
-            </a:r>
-            <a:r>
-              <a:rPr dirty="0" err="1"/>
-              <a:t>klavye</a:t>
-            </a:r>
-            <a:r>
-              <a:rPr dirty="0"/>
-              <a:t>, </a:t>
-            </a:r>
-            <a:r>
-              <a:rPr dirty="0" err="1"/>
-              <a:t>bir</a:t>
-            </a:r>
-            <a:r>
-              <a:rPr dirty="0"/>
-              <a:t> mouse </a:t>
-            </a:r>
-            <a:r>
-              <a:rPr dirty="0" err="1"/>
-              <a:t>ve</a:t>
-            </a:r>
-            <a:r>
-              <a:rPr dirty="0"/>
-              <a:t> </a:t>
-            </a:r>
-            <a:r>
-              <a:rPr dirty="0" err="1"/>
-              <a:t>bir</a:t>
-            </a:r>
-            <a:r>
-              <a:rPr dirty="0"/>
-              <a:t> </a:t>
-            </a:r>
-            <a:r>
-              <a:rPr dirty="0" err="1"/>
-              <a:t>monitörümüz</a:t>
-            </a:r>
-            <a:r>
-              <a:rPr dirty="0"/>
-              <a:t> var. Yeni </a:t>
-            </a:r>
-            <a:r>
-              <a:rPr dirty="0" err="1"/>
-              <a:t>bir</a:t>
-            </a:r>
-            <a:r>
-              <a:rPr dirty="0"/>
-              <a:t> </a:t>
-            </a:r>
-            <a:r>
-              <a:rPr dirty="0" err="1"/>
-              <a:t>monitör</a:t>
-            </a:r>
-            <a:r>
-              <a:rPr dirty="0"/>
-              <a:t> </a:t>
-            </a:r>
-            <a:r>
-              <a:rPr dirty="0" err="1"/>
-              <a:t>aldığımızda</a:t>
-            </a:r>
-            <a:r>
-              <a:rPr dirty="0"/>
-              <a:t> </a:t>
-            </a:r>
-            <a:r>
-              <a:rPr dirty="0" err="1"/>
-              <a:t>daha</a:t>
-            </a:r>
-            <a:r>
-              <a:rPr dirty="0"/>
-              <a:t> </a:t>
-            </a:r>
-            <a:r>
-              <a:rPr dirty="0" err="1"/>
-              <a:t>büyük</a:t>
-            </a:r>
-            <a:r>
-              <a:rPr dirty="0"/>
-              <a:t> </a:t>
-            </a:r>
-            <a:r>
-              <a:rPr dirty="0" err="1"/>
-              <a:t>bir</a:t>
-            </a:r>
-            <a:r>
-              <a:rPr dirty="0"/>
-              <a:t> </a:t>
-            </a:r>
-            <a:r>
-              <a:rPr dirty="0" err="1"/>
-              <a:t>masaya</a:t>
-            </a:r>
-            <a:r>
-              <a:rPr dirty="0"/>
-              <a:t> </a:t>
-            </a:r>
-            <a:r>
-              <a:rPr dirty="0" err="1"/>
-              <a:t>ihtiyacımız</a:t>
-            </a:r>
-            <a:r>
-              <a:rPr dirty="0"/>
-              <a:t> var. </a:t>
-            </a:r>
-            <a:r>
-              <a:rPr dirty="0" err="1"/>
-              <a:t>Aynı</a:t>
-            </a:r>
-            <a:r>
-              <a:rPr dirty="0"/>
-              <a:t> </a:t>
-            </a:r>
-            <a:r>
-              <a:rPr dirty="0" err="1"/>
-              <a:t>şekilde</a:t>
-            </a:r>
-            <a:r>
-              <a:rPr dirty="0"/>
-              <a:t> yeni </a:t>
-            </a:r>
-            <a:r>
-              <a:rPr dirty="0" err="1"/>
-              <a:t>bir</a:t>
-            </a:r>
-            <a:r>
-              <a:rPr dirty="0"/>
-              <a:t> </a:t>
-            </a:r>
-            <a:r>
-              <a:rPr dirty="0" err="1"/>
-              <a:t>klavye</a:t>
-            </a:r>
-            <a:r>
-              <a:rPr dirty="0"/>
-              <a:t> </a:t>
-            </a:r>
-            <a:r>
-              <a:rPr dirty="0" err="1"/>
-              <a:t>veya</a:t>
-            </a:r>
-            <a:r>
-              <a:rPr dirty="0"/>
-              <a:t> mouse </a:t>
-            </a:r>
-            <a:r>
-              <a:rPr dirty="0" err="1"/>
-              <a:t>aldığımızda</a:t>
-            </a:r>
-            <a:r>
-              <a:rPr dirty="0"/>
-              <a:t> da </a:t>
-            </a:r>
-            <a:r>
-              <a:rPr dirty="0" err="1"/>
-              <a:t>aynı</a:t>
-            </a:r>
-            <a:r>
-              <a:rPr dirty="0"/>
-              <a:t> durum </a:t>
-            </a:r>
-            <a:r>
-              <a:rPr dirty="0" err="1"/>
-              <a:t>geçerli</a:t>
-            </a:r>
-            <a:r>
-              <a:rPr dirty="0"/>
-              <a:t>. Bir </a:t>
-            </a:r>
-            <a:r>
-              <a:rPr dirty="0" err="1"/>
-              <a:t>yerden</a:t>
-            </a:r>
-            <a:r>
-              <a:rPr dirty="0"/>
-              <a:t> </a:t>
-            </a:r>
-            <a:r>
-              <a:rPr dirty="0" err="1"/>
-              <a:t>bir</a:t>
-            </a:r>
-            <a:r>
-              <a:rPr dirty="0"/>
-              <a:t> yere </a:t>
-            </a:r>
-            <a:r>
-              <a:rPr dirty="0" err="1"/>
-              <a:t>taşırken</a:t>
-            </a:r>
-            <a:r>
-              <a:rPr dirty="0"/>
-              <a:t> zaman </a:t>
-            </a:r>
-            <a:r>
-              <a:rPr dirty="0" err="1"/>
-              <a:t>ve</a:t>
-            </a:r>
-            <a:r>
-              <a:rPr dirty="0"/>
-              <a:t> </a:t>
-            </a:r>
-            <a:r>
-              <a:rPr dirty="0" err="1"/>
-              <a:t>güç</a:t>
-            </a:r>
-            <a:r>
-              <a:rPr dirty="0"/>
-              <a:t> </a:t>
-            </a:r>
-            <a:r>
-              <a:rPr dirty="0" err="1"/>
-              <a:t>kaybına</a:t>
-            </a:r>
-            <a:r>
-              <a:rPr dirty="0"/>
-              <a:t> </a:t>
-            </a:r>
-            <a:r>
-              <a:rPr dirty="0" err="1"/>
-              <a:t>uğruyoruz</a:t>
-            </a:r>
-            <a:r>
-              <a:rPr dirty="0"/>
-              <a:t>.</a:t>
+              <a:rPr/>
+              <a:t>Diziler, anlam ifade etmesi için birden fazla nesneye ihtiyaç duyabilir. Mesela, Şu an karşısında olduğunuz bilgisayar örneğini inceleyelim. Masaüstü bilgisayarlar, klavye-mouse-monitör üçlüsünü bir araya getirince anlam ifade eder. Herhangi biri olmadan bir işlem yapmanız olasıdır ama zorludur. Dizi, dezavantajlarından biri olan hafıza problemini inceleyelim. Bilgisayar örneğimizden devam edelim. Hali hazırda bir klavye, bir mouse ve bir monitörümüz var. Yeni bir monitör aldığımızda daha büyük bir masaya ihtiyacımız var. Aynı şekilde yeni bir klavye veya mouse aldığımızda da aynı durum geçerli. Bir yerden bir yere taşırken zaman ve güç kaybına uğruyoruz.</a:t>
             </a:r>
           </a:p>
         </p:txBody>
       </p:sp>
     </p:spTree>
   </p:cSld>
-  <p:clrMapOvr>
-    <a:masterClrMapping/>
-  </p:clrMapOvr>
 </p:sld>
 </file>
 
@@ -5212,38 +3940,30 @@
             <a:spLocks noGrp="1"/>
           </p:cNvSpPr>
           <p:nvPr>
-            <p:ph type="body" sz="half" idx="2"/>
-          </p:nvPr>
-        </p:nvSpPr>
-        <p:spPr>
-          <a:xfrm>
-            <a:off x="623887" y="1076326"/>
-            <a:ext cx="3008313" cy="3518297"/>
-          </a:xfrm>
-        </p:spPr>
-        <p:txBody>
-          <a:bodyPr>
-            <a:normAutofit/>
-          </a:bodyPr>
-          <a:lstStyle/>
-          <a:p>
-            <a:pPr marL="0" lvl="0" indent="0">
+            <p:ph idx="2" sz="half" type="body"/>
+          </p:nvPr>
+        </p:nvSpPr>
+        <p:spPr/>
+        <p:txBody>
+          <a:bodyPr/>
+          <a:lstStyle/>
+          <a:p>
+            <a:pPr lvl="0" indent="0" marL="0">
               <a:spcBef>
                 <a:spcPts val="3000"/>
               </a:spcBef>
               <a:buNone/>
             </a:pPr>
             <a:r>
-              <a:rPr sz="3600" b="1" dirty="0" err="1"/>
+              <a:rPr b="1"/>
               <a:t>Diziler</a:t>
             </a:r>
-            <a:endParaRPr sz="3600" b="1" dirty="0"/>
           </a:p>
         </p:txBody>
       </p:sp>
       <p:pic>
         <p:nvPicPr>
-          <p:cNvPr id="2" name="Picture 1" descr="fig:  assets/remove-duplicates-from-array-image1.png"/>
+          <p:cNvPr descr="fig:  assets/remove-duplicates-from-array-image1.png" id="0" name="Picture 1"/>
           <p:cNvPicPr>
             <a:picLocks noGrp="1" noChangeAspect="1"/>
           </p:cNvPicPr>
@@ -5273,13 +3993,13 @@
       </p:pic>
       <p:sp>
         <p:nvSpPr>
-          <p:cNvPr id="3" name="TextBox 3"/>
+          <p:cNvPr id="1" name="TextBox 3"/>
           <p:cNvSpPr txBox="1"/>
           <p:nvPr/>
         </p:nvSpPr>
         <p:spPr>
           <a:xfrm>
-            <a:off x="3414713" y="4067174"/>
+            <a:off x="3568700" y="4076700"/>
             <a:ext cx="5105400" cy="508000"/>
           </a:xfrm>
           <a:prstGeom prst="rect">
@@ -5291,18 +4011,18 @@
           <a:bodyPr/>
           <a:lstStyle/>
           <a:p>
-            <a:pPr marL="0" lvl="0" indent="0" algn="ctr">
+            <a:pPr lvl="0" indent="0" marL="0" algn="ctr">
               <a:buNone/>
             </a:pPr>
-            <a:endParaRPr dirty="0"/>
+            <a:r>
+              <a:rPr/>
+              <a:t>center h:500px</a:t>
+            </a:r>
           </a:p>
         </p:txBody>
       </p:sp>
     </p:spTree>
   </p:cSld>
-  <p:clrMapOvr>
-    <a:masterClrMapping/>
-  </p:clrMapOvr>
 </p:sld>
 </file>
 
@@ -5338,324 +4058,37 @@
           <a:bodyPr/>
           <a:lstStyle/>
           <a:p>
-            <a:pPr marL="0" lvl="0" indent="0">
+            <a:pPr lvl="0" indent="0" marL="0">
               <a:spcBef>
                 <a:spcPts val="3000"/>
               </a:spcBef>
               <a:buNone/>
             </a:pPr>
             <a:r>
-              <a:rPr b="1" dirty="0" err="1"/>
-              <a:t>Bağlı</a:t>
-            </a:r>
-            <a:r>
-              <a:rPr b="1" dirty="0"/>
-              <a:t> </a:t>
-            </a:r>
-            <a:r>
-              <a:rPr b="1" dirty="0" err="1"/>
-              <a:t>listeler</a:t>
-            </a:r>
-            <a:endParaRPr b="1" dirty="0"/>
+              <a:rPr b="1"/>
+              <a:t>Bağlı listeler</a:t>
+            </a:r>
           </a:p>
           <a:p>
             <a:pPr lvl="0"/>
             <a:r>
-              <a:rPr dirty="0" err="1"/>
-              <a:t>Bağlı</a:t>
-            </a:r>
-            <a:r>
-              <a:rPr dirty="0"/>
-              <a:t> </a:t>
-            </a:r>
-            <a:r>
-              <a:rPr dirty="0" err="1"/>
-              <a:t>listeler</a:t>
-            </a:r>
-            <a:r>
-              <a:rPr dirty="0"/>
-              <a:t>, </a:t>
-            </a:r>
-            <a:r>
-              <a:rPr dirty="0" err="1"/>
-              <a:t>yan</a:t>
-            </a:r>
-            <a:r>
-              <a:rPr dirty="0"/>
-              <a:t> </a:t>
-            </a:r>
-            <a:r>
-              <a:rPr dirty="0" err="1"/>
-              <a:t>yana</a:t>
-            </a:r>
-            <a:r>
-              <a:rPr dirty="0"/>
-              <a:t> </a:t>
-            </a:r>
-            <a:r>
-              <a:rPr dirty="0" err="1"/>
-              <a:t>zorunluluğu</a:t>
-            </a:r>
-            <a:r>
-              <a:rPr dirty="0"/>
-              <a:t> </a:t>
-            </a:r>
-            <a:r>
-              <a:rPr dirty="0" err="1"/>
-              <a:t>olmadan</a:t>
-            </a:r>
-            <a:r>
-              <a:rPr dirty="0"/>
-              <a:t> </a:t>
-            </a:r>
-            <a:r>
-              <a:rPr dirty="0" err="1"/>
-              <a:t>veri</a:t>
-            </a:r>
-            <a:r>
-              <a:rPr dirty="0"/>
-              <a:t> </a:t>
-            </a:r>
-            <a:r>
-              <a:rPr dirty="0" err="1"/>
-              <a:t>tutmamızı</a:t>
-            </a:r>
-            <a:r>
-              <a:rPr dirty="0"/>
-              <a:t> </a:t>
-            </a:r>
-            <a:r>
-              <a:rPr dirty="0" err="1"/>
-              <a:t>sağlayan</a:t>
-            </a:r>
-            <a:r>
-              <a:rPr dirty="0"/>
-              <a:t> </a:t>
-            </a:r>
-            <a:r>
-              <a:rPr dirty="0" err="1"/>
-              <a:t>yapılardır</a:t>
-            </a:r>
-            <a:r>
-              <a:rPr dirty="0"/>
-              <a:t>. Yeni </a:t>
-            </a:r>
-            <a:r>
-              <a:rPr dirty="0" err="1"/>
-              <a:t>gelen</a:t>
-            </a:r>
-            <a:r>
-              <a:rPr dirty="0"/>
-              <a:t> </a:t>
-            </a:r>
-            <a:r>
-              <a:rPr dirty="0" err="1"/>
-              <a:t>eleman</a:t>
-            </a:r>
-            <a:r>
-              <a:rPr dirty="0"/>
-              <a:t> </a:t>
-            </a:r>
-            <a:r>
-              <a:rPr dirty="0" err="1"/>
-              <a:t>için</a:t>
-            </a:r>
-            <a:r>
-              <a:rPr dirty="0"/>
-              <a:t> </a:t>
-            </a:r>
-            <a:r>
-              <a:rPr dirty="0" err="1"/>
-              <a:t>hafıza’da</a:t>
-            </a:r>
-            <a:r>
-              <a:rPr dirty="0"/>
-              <a:t> yeni </a:t>
-            </a:r>
-            <a:r>
-              <a:rPr dirty="0" err="1"/>
-              <a:t>bir</a:t>
-            </a:r>
-            <a:r>
-              <a:rPr dirty="0"/>
-              <a:t> </a:t>
-            </a:r>
-            <a:r>
-              <a:rPr dirty="0" err="1"/>
-              <a:t>alan</a:t>
-            </a:r>
-            <a:r>
-              <a:rPr dirty="0"/>
-              <a:t> </a:t>
-            </a:r>
-            <a:r>
-              <a:rPr dirty="0" err="1"/>
-              <a:t>açmamız</a:t>
-            </a:r>
-            <a:r>
-              <a:rPr dirty="0"/>
-              <a:t> </a:t>
-            </a:r>
-            <a:r>
-              <a:rPr dirty="0" err="1"/>
-              <a:t>gerekmez</a:t>
-            </a:r>
-            <a:r>
-              <a:rPr dirty="0"/>
-              <a:t>. </a:t>
-            </a:r>
-            <a:r>
-              <a:rPr dirty="0" err="1"/>
-              <a:t>Array’dan</a:t>
-            </a:r>
-            <a:r>
-              <a:rPr dirty="0"/>
-              <a:t> </a:t>
-            </a:r>
-            <a:r>
-              <a:rPr dirty="0" err="1"/>
-              <a:t>farklı</a:t>
-            </a:r>
-            <a:r>
-              <a:rPr dirty="0"/>
-              <a:t> </a:t>
-            </a:r>
-            <a:r>
-              <a:rPr dirty="0" err="1"/>
-              <a:t>olarak</a:t>
-            </a:r>
-            <a:r>
-              <a:rPr dirty="0"/>
-              <a:t> evet </a:t>
-            </a:r>
-            <a:r>
-              <a:rPr dirty="0" err="1"/>
-              <a:t>elemanlar</a:t>
-            </a:r>
-            <a:r>
-              <a:rPr dirty="0"/>
-              <a:t> </a:t>
-            </a:r>
-            <a:r>
-              <a:rPr dirty="0" err="1"/>
-              <a:t>hafıza</a:t>
-            </a:r>
-            <a:r>
-              <a:rPr dirty="0"/>
-              <a:t> </a:t>
-            </a:r>
-            <a:r>
-              <a:rPr dirty="0" err="1"/>
-              <a:t>içerisinde</a:t>
-            </a:r>
-            <a:r>
-              <a:rPr dirty="0"/>
-              <a:t> </a:t>
-            </a:r>
-            <a:r>
-              <a:rPr dirty="0" err="1"/>
-              <a:t>dağılmış</a:t>
-            </a:r>
-            <a:r>
-              <a:rPr dirty="0"/>
-              <a:t> </a:t>
-            </a:r>
-            <a:r>
-              <a:rPr dirty="0" err="1"/>
-              <a:t>olabilir</a:t>
-            </a:r>
-            <a:r>
-              <a:rPr dirty="0"/>
-              <a:t>, </a:t>
-            </a:r>
-            <a:r>
-              <a:rPr dirty="0" err="1"/>
-              <a:t>fakat</a:t>
-            </a:r>
-            <a:r>
-              <a:rPr dirty="0"/>
-              <a:t> son </a:t>
-            </a:r>
-            <a:r>
-              <a:rPr dirty="0" err="1"/>
-              <a:t>gelen</a:t>
-            </a:r>
-            <a:r>
-              <a:rPr dirty="0"/>
-              <a:t> </a:t>
-            </a:r>
-            <a:r>
-              <a:rPr dirty="0" err="1"/>
-              <a:t>eleman</a:t>
-            </a:r>
-            <a:r>
-              <a:rPr dirty="0"/>
-              <a:t> </a:t>
-            </a:r>
-            <a:r>
-              <a:rPr dirty="0" err="1"/>
-              <a:t>kendinden</a:t>
-            </a:r>
-            <a:r>
-              <a:rPr dirty="0"/>
-              <a:t> </a:t>
-            </a:r>
-            <a:r>
-              <a:rPr dirty="0" err="1"/>
-              <a:t>bir</a:t>
-            </a:r>
-            <a:r>
-              <a:rPr dirty="0"/>
-              <a:t> </a:t>
-            </a:r>
-            <a:r>
-              <a:rPr dirty="0" err="1"/>
-              <a:t>önceki</a:t>
-            </a:r>
-            <a:r>
-              <a:rPr dirty="0"/>
-              <a:t> </a:t>
-            </a:r>
-            <a:r>
-              <a:rPr dirty="0" err="1"/>
-              <a:t>elemana</a:t>
-            </a:r>
-            <a:r>
-              <a:rPr dirty="0"/>
-              <a:t> </a:t>
-            </a:r>
-            <a:r>
-              <a:rPr dirty="0" err="1"/>
-              <a:t>adresini</a:t>
-            </a:r>
-            <a:r>
-              <a:rPr dirty="0"/>
-              <a:t> </a:t>
-            </a:r>
-            <a:r>
-              <a:rPr dirty="0" err="1"/>
-              <a:t>bildirmek</a:t>
-            </a:r>
-            <a:r>
-              <a:rPr dirty="0"/>
-              <a:t> </a:t>
-            </a:r>
-            <a:r>
-              <a:rPr dirty="0" err="1"/>
-              <a:t>zorundadır</a:t>
-            </a:r>
-            <a:r>
-              <a:t>.</a:t>
-            </a:r>
-            <a:endParaRPr dirty="0"/>
+              <a:rPr/>
+              <a:t>Bağlı listeler, yan yana zorunluluğu olmadan veri tutmamızı sağlayan yapılardır. Yeni gelen eleman için hafıza’da yeni bir alan açmamız gerekmez. Array’dan farklı olarak evet elemanlar hafıza içerisinde dağılmış olabilir, fakat son gelen eleman kendinden bir önceki elemana adresini bildirmek zorundadır.</a:t>
+            </a:r>
+          </a:p>
+          <a:p>
+            <a:pPr lvl="1" indent="0" marL="342900">
+              <a:buNone/>
+            </a:pPr>
+            <a:r>
+              <a:rPr/>
+              <a:t>bg right:50% h:400px</a:t>
+            </a:r>
           </a:p>
         </p:txBody>
       </p:sp>
     </p:spTree>
   </p:cSld>
-  <p:clrMapOvr>
-    <a:masterClrMapping/>
-  </p:clrMapOvr>
 </p:sld>
 </file>
 
@@ -5977,4 +4410,265 @@
   </a:objectDefaults>
   <a:extraClrSchemeLst/>
 </a:theme>
+</file>
+
+<file path=ppt/theme/theme2.xml><?xml version="1.0" encoding="utf-8"?>
+<a:theme xmlns:a="http://schemas.openxmlformats.org/drawingml/2006/main" name="Office Theme">
+  <a:themeElements>
+    <a:clrScheme name="Office">
+      <a:dk1>
+        <a:sysClr val="windowText" lastClr="000000"/>
+      </a:dk1>
+      <a:lt1>
+        <a:sysClr val="window" lastClr="FFFFFF"/>
+      </a:lt1>
+      <a:dk2>
+        <a:srgbClr val="44546A"/>
+      </a:dk2>
+      <a:lt2>
+        <a:srgbClr val="E7E6E6"/>
+      </a:lt2>
+      <a:accent1>
+        <a:srgbClr val="5B9BD5"/>
+      </a:accent1>
+      <a:accent2>
+        <a:srgbClr val="ED7D31"/>
+      </a:accent2>
+      <a:accent3>
+        <a:srgbClr val="A5A5A5"/>
+      </a:accent3>
+      <a:accent4>
+        <a:srgbClr val="FFC000"/>
+      </a:accent4>
+      <a:accent5>
+        <a:srgbClr val="4472C4"/>
+      </a:accent5>
+      <a:accent6>
+        <a:srgbClr val="70AD47"/>
+      </a:accent6>
+      <a:hlink>
+        <a:srgbClr val="0563C1"/>
+      </a:hlink>
+      <a:folHlink>
+        <a:srgbClr val="954F72"/>
+      </a:folHlink>
+    </a:clrScheme>
+    <a:fontScheme name="Office">
+      <a:majorFont>
+        <a:latin typeface="Calibri Light" panose="020F0302020204030204"/>
+        <a:ea typeface=""/>
+        <a:cs typeface=""/>
+        <a:font script="Jpan" typeface="ＭＳ Ｐゴシック"/>
+        <a:font script="Hang" typeface="맑은 고딕"/>
+        <a:font script="Hans" typeface="宋体"/>
+        <a:font script="Hant" typeface="新細明體"/>
+        <a:font script="Arab" typeface="Times New Roman"/>
+        <a:font script="Hebr" typeface="Times New Roman"/>
+        <a:font script="Thai" typeface="Angsana New"/>
+        <a:font script="Ethi" typeface="Nyala"/>
+        <a:font script="Beng" typeface="Vrinda"/>
+        <a:font script="Gujr" typeface="Shruti"/>
+        <a:font script="Khmr" typeface="MoolBoran"/>
+        <a:font script="Knda" typeface="Tunga"/>
+        <a:font script="Guru" typeface="Raavi"/>
+        <a:font script="Cans" typeface="Euphemia"/>
+        <a:font script="Cher" typeface="Plantagenet Cherokee"/>
+        <a:font script="Yiii" typeface="Microsoft Yi Baiti"/>
+        <a:font script="Tibt" typeface="Microsoft Himalaya"/>
+        <a:font script="Thaa" typeface="MV Boli"/>
+        <a:font script="Deva" typeface="Mangal"/>
+        <a:font script="Telu" typeface="Gautami"/>
+        <a:font script="Taml" typeface="Latha"/>
+        <a:font script="Syrc" typeface="Estrangelo Edessa"/>
+        <a:font script="Orya" typeface="Kalinga"/>
+        <a:font script="Mlym" typeface="Kartika"/>
+        <a:font script="Laoo" typeface="DokChampa"/>
+        <a:font script="Sinh" typeface="Iskoola Pota"/>
+        <a:font script="Mong" typeface="Mongolian Baiti"/>
+        <a:font script="Viet" typeface="Times New Roman"/>
+        <a:font script="Uigh" typeface="Microsoft Uighur"/>
+        <a:font script="Geor" typeface="Sylfaen"/>
+      </a:majorFont>
+      <a:minorFont>
+        <a:latin typeface="Calibri" panose="020F0502020204030204"/>
+        <a:ea typeface=""/>
+        <a:cs typeface=""/>
+        <a:font script="Jpan" typeface="ＭＳ Ｐゴシック"/>
+        <a:font script="Hang" typeface="맑은 고딕"/>
+        <a:font script="Hans" typeface="宋体"/>
+        <a:font script="Hant" typeface="新細明體"/>
+        <a:font script="Arab" typeface="Arial"/>
+        <a:font script="Hebr" typeface="Arial"/>
+        <a:font script="Thai" typeface="Cordia New"/>
+        <a:font script="Ethi" typeface="Nyala"/>
+        <a:font script="Beng" typeface="Vrinda"/>
+        <a:font script="Gujr" typeface="Shruti"/>
+        <a:font script="Khmr" typeface="DaunPenh"/>
+        <a:font script="Knda" typeface="Tunga"/>
+        <a:font script="Guru" typeface="Raavi"/>
+        <a:font script="Cans" typeface="Euphemia"/>
+        <a:font script="Cher" typeface="Plantagenet Cherokee"/>
+        <a:font script="Yiii" typeface="Microsoft Yi Baiti"/>
+        <a:font script="Tibt" typeface="Microsoft Himalaya"/>
+        <a:font script="Thaa" typeface="MV Boli"/>
+        <a:font script="Deva" typeface="Mangal"/>
+        <a:font script="Telu" typeface="Gautami"/>
+        <a:font script="Taml" typeface="Latha"/>
+        <a:font script="Syrc" typeface="Estrangelo Edessa"/>
+        <a:font script="Orya" typeface="Kalinga"/>
+        <a:font script="Mlym" typeface="Kartika"/>
+        <a:font script="Laoo" typeface="DokChampa"/>
+        <a:font script="Sinh" typeface="Iskoola Pota"/>
+        <a:font script="Mong" typeface="Mongolian Baiti"/>
+        <a:font script="Viet" typeface="Arial"/>
+        <a:font script="Uigh" typeface="Microsoft Uighur"/>
+        <a:font script="Geor" typeface="Sylfaen"/>
+      </a:minorFont>
+    </a:fontScheme>
+    <a:fmtScheme name="Office">
+      <a:fillStyleLst>
+        <a:solidFill>
+          <a:schemeClr val="phClr"/>
+        </a:solidFill>
+        <a:gradFill rotWithShape="1">
+          <a:gsLst>
+            <a:gs pos="0">
+              <a:schemeClr val="phClr">
+                <a:lumMod val="110000"/>
+                <a:satMod val="105000"/>
+                <a:tint val="67000"/>
+              </a:schemeClr>
+            </a:gs>
+            <a:gs pos="50000">
+              <a:schemeClr val="phClr">
+                <a:lumMod val="105000"/>
+                <a:satMod val="103000"/>
+                <a:tint val="73000"/>
+              </a:schemeClr>
+            </a:gs>
+            <a:gs pos="100000">
+              <a:schemeClr val="phClr">
+                <a:lumMod val="105000"/>
+                <a:satMod val="109000"/>
+                <a:tint val="81000"/>
+              </a:schemeClr>
+            </a:gs>
+          </a:gsLst>
+          <a:lin ang="5400000" scaled="0"/>
+        </a:gradFill>
+        <a:gradFill rotWithShape="1">
+          <a:gsLst>
+            <a:gs pos="0">
+              <a:schemeClr val="phClr">
+                <a:satMod val="103000"/>
+                <a:lumMod val="102000"/>
+                <a:tint val="94000"/>
+              </a:schemeClr>
+            </a:gs>
+            <a:gs pos="50000">
+              <a:schemeClr val="phClr">
+                <a:satMod val="110000"/>
+                <a:lumMod val="100000"/>
+                <a:shade val="100000"/>
+              </a:schemeClr>
+            </a:gs>
+            <a:gs pos="100000">
+              <a:schemeClr val="phClr">
+                <a:lumMod val="99000"/>
+                <a:satMod val="120000"/>
+                <a:shade val="78000"/>
+              </a:schemeClr>
+            </a:gs>
+          </a:gsLst>
+          <a:lin ang="5400000" scaled="0"/>
+        </a:gradFill>
+      </a:fillStyleLst>
+      <a:lnStyleLst>
+        <a:ln w="6350" cap="flat" cmpd="sng" algn="ctr">
+          <a:solidFill>
+            <a:schemeClr val="phClr"/>
+          </a:solidFill>
+          <a:prstDash val="solid"/>
+          <a:miter lim="800000"/>
+        </a:ln>
+        <a:ln w="12700" cap="flat" cmpd="sng" algn="ctr">
+          <a:solidFill>
+            <a:schemeClr val="phClr"/>
+          </a:solidFill>
+          <a:prstDash val="solid"/>
+          <a:miter lim="800000"/>
+        </a:ln>
+        <a:ln w="19050" cap="flat" cmpd="sng" algn="ctr">
+          <a:solidFill>
+            <a:schemeClr val="phClr"/>
+          </a:solidFill>
+          <a:prstDash val="solid"/>
+          <a:miter lim="800000"/>
+        </a:ln>
+      </a:lnStyleLst>
+      <a:effectStyleLst>
+        <a:effectStyle>
+          <a:effectLst/>
+        </a:effectStyle>
+        <a:effectStyle>
+          <a:effectLst/>
+        </a:effectStyle>
+        <a:effectStyle>
+          <a:effectLst>
+            <a:outerShdw blurRad="57150" dist="19050" dir="5400000" algn="ctr" rotWithShape="0">
+              <a:srgbClr val="000000">
+                <a:alpha val="63000"/>
+              </a:srgbClr>
+            </a:outerShdw>
+          </a:effectLst>
+        </a:effectStyle>
+      </a:effectStyleLst>
+      <a:bgFillStyleLst>
+        <a:solidFill>
+          <a:schemeClr val="phClr"/>
+        </a:solidFill>
+        <a:solidFill>
+          <a:schemeClr val="phClr">
+            <a:tint val="95000"/>
+            <a:satMod val="170000"/>
+          </a:schemeClr>
+        </a:solidFill>
+        <a:gradFill rotWithShape="1">
+          <a:gsLst>
+            <a:gs pos="0">
+              <a:schemeClr val="phClr">
+                <a:tint val="93000"/>
+                <a:satMod val="150000"/>
+                <a:shade val="98000"/>
+                <a:lumMod val="102000"/>
+              </a:schemeClr>
+            </a:gs>
+            <a:gs pos="50000">
+              <a:schemeClr val="phClr">
+                <a:tint val="98000"/>
+                <a:satMod val="130000"/>
+                <a:shade val="90000"/>
+                <a:lumMod val="103000"/>
+              </a:schemeClr>
+            </a:gs>
+            <a:gs pos="100000">
+              <a:schemeClr val="phClr">
+                <a:shade val="63000"/>
+                <a:satMod val="120000"/>
+              </a:schemeClr>
+            </a:gs>
+          </a:gsLst>
+          <a:lin ang="5400000" scaled="0"/>
+        </a:gradFill>
+      </a:bgFillStyleLst>
+    </a:fmtScheme>
+  </a:themeElements>
+  <a:objectDefaults/>
+  <a:extraClrSchemeLst/>
+  <a:extLst>
+    <a:ext uri="{05A4C25C-085E-4340-85A3-A5531E510DB2}">
+      <thm15:themeFamily xmlns:thm15="http://schemas.microsoft.com/office/thememl/2012/main" name="Office Theme" id="{62F939B6-93AF-4DB8-9C6B-D6C7DFDC589F}" vid="{4A3C46E8-61CC-4603-A589-7422A47A8E4A}"/>
+    </a:ext>
+  </a:extLst>
+</a:theme>
 </file>